--- a/Отчет по практике/Отчет Гончаров.pptx
+++ b/Отчет по практике/Отчет Гончаров.pptx
@@ -4,17 +4,21 @@
   <p:sldMasterIdLst>
     <p:sldMasterId id="2147483648" r:id="rId1"/>
   </p:sldMasterIdLst>
+  <p:notesMasterIdLst>
+    <p:notesMasterId r:id="rId13"/>
+  </p:notesMasterIdLst>
   <p:sldIdLst>
     <p:sldId id="256" r:id="rId2"/>
     <p:sldId id="257" r:id="rId3"/>
-    <p:sldId id="265" r:id="rId4"/>
+    <p:sldId id="269" r:id="rId4"/>
     <p:sldId id="258" r:id="rId5"/>
     <p:sldId id="259" r:id="rId6"/>
-    <p:sldId id="260" r:id="rId7"/>
-    <p:sldId id="263" r:id="rId8"/>
-    <p:sldId id="264" r:id="rId9"/>
-    <p:sldId id="266" r:id="rId10"/>
-    <p:sldId id="268" r:id="rId11"/>
+    <p:sldId id="270" r:id="rId7"/>
+    <p:sldId id="264" r:id="rId8"/>
+    <p:sldId id="266" r:id="rId9"/>
+    <p:sldId id="271" r:id="rId10"/>
+    <p:sldId id="272" r:id="rId11"/>
+    <p:sldId id="268" r:id="rId12"/>
   </p:sldIdLst>
   <p:sldSz cx="12192000" cy="6858000"/>
   <p:notesSz cx="6858000" cy="9144000"/>
@@ -121,6 +125,356 @@
 </p:presentation>
 </file>
 
+<file path=ppt/notesMasters/notesMaster1.xml><?xml version="1.0" encoding="utf-8"?>
+<p:notesMaster xmlns:a="http://schemas.openxmlformats.org/drawingml/2006/main" xmlns:r="http://schemas.openxmlformats.org/officeDocument/2006/relationships" xmlns:p="http://schemas.openxmlformats.org/presentationml/2006/main">
+  <p:cSld>
+    <p:bg>
+      <p:bgRef idx="1001">
+        <a:schemeClr val="bg1"/>
+      </p:bgRef>
+    </p:bg>
+    <p:spTree>
+      <p:nvGrpSpPr>
+        <p:cNvPr id="1" name=""/>
+        <p:cNvGrpSpPr/>
+        <p:nvPr/>
+      </p:nvGrpSpPr>
+      <p:grpSpPr>
+        <a:xfrm>
+          <a:off x="0" y="0"/>
+          <a:ext cx="0" cy="0"/>
+          <a:chOff x="0" y="0"/>
+          <a:chExt cx="0" cy="0"/>
+        </a:xfrm>
+      </p:grpSpPr>
+      <p:sp>
+        <p:nvSpPr>
+          <p:cNvPr id="2" name="Верхний колонтитул 1"/>
+          <p:cNvSpPr>
+            <a:spLocks noGrp="1"/>
+          </p:cNvSpPr>
+          <p:nvPr>
+            <p:ph type="hdr" sz="quarter"/>
+          </p:nvPr>
+        </p:nvSpPr>
+        <p:spPr>
+          <a:xfrm>
+            <a:off x="0" y="0"/>
+            <a:ext cx="2971800" cy="458788"/>
+          </a:xfrm>
+          <a:prstGeom prst="rect">
+            <a:avLst/>
+          </a:prstGeom>
+        </p:spPr>
+        <p:txBody>
+          <a:bodyPr vert="horz" lIns="91440" tIns="45720" rIns="91440" bIns="45720" rtlCol="0"/>
+          <a:lstStyle>
+            <a:lvl1pPr algn="l">
+              <a:defRPr sz="1200"/>
+            </a:lvl1pPr>
+          </a:lstStyle>
+          <a:p>
+            <a:endParaRPr lang="ru-RU"/>
+          </a:p>
+        </p:txBody>
+      </p:sp>
+      <p:sp>
+        <p:nvSpPr>
+          <p:cNvPr id="3" name="Дата 2"/>
+          <p:cNvSpPr>
+            <a:spLocks noGrp="1"/>
+          </p:cNvSpPr>
+          <p:nvPr>
+            <p:ph type="dt" idx="1"/>
+          </p:nvPr>
+        </p:nvSpPr>
+        <p:spPr>
+          <a:xfrm>
+            <a:off x="3884613" y="0"/>
+            <a:ext cx="2971800" cy="458788"/>
+          </a:xfrm>
+          <a:prstGeom prst="rect">
+            <a:avLst/>
+          </a:prstGeom>
+        </p:spPr>
+        <p:txBody>
+          <a:bodyPr vert="horz" lIns="91440" tIns="45720" rIns="91440" bIns="45720" rtlCol="0"/>
+          <a:lstStyle>
+            <a:lvl1pPr algn="r">
+              <a:defRPr sz="1200"/>
+            </a:lvl1pPr>
+          </a:lstStyle>
+          <a:p>
+            <a:fld id="{DA2014AF-8300-4B1A-8F05-A2EF2E914D37}" type="datetimeFigureOut">
+              <a:rPr lang="ru-RU" smtClean="0"/>
+              <a:t>02.05.2023</a:t>
+            </a:fld>
+            <a:endParaRPr lang="ru-RU"/>
+          </a:p>
+        </p:txBody>
+      </p:sp>
+      <p:sp>
+        <p:nvSpPr>
+          <p:cNvPr id="4" name="Образ слайда 3"/>
+          <p:cNvSpPr>
+            <a:spLocks noGrp="1" noRot="1" noChangeAspect="1"/>
+          </p:cNvSpPr>
+          <p:nvPr>
+            <p:ph type="sldImg" idx="2"/>
+          </p:nvPr>
+        </p:nvSpPr>
+        <p:spPr>
+          <a:xfrm>
+            <a:off x="685800" y="1143000"/>
+            <a:ext cx="5486400" cy="3086100"/>
+          </a:xfrm>
+          <a:prstGeom prst="rect">
+            <a:avLst/>
+          </a:prstGeom>
+          <a:noFill/>
+          <a:ln w="12700">
+            <a:solidFill>
+              <a:prstClr val="black"/>
+            </a:solidFill>
+          </a:ln>
+        </p:spPr>
+        <p:txBody>
+          <a:bodyPr vert="horz" lIns="91440" tIns="45720" rIns="91440" bIns="45720" rtlCol="0" anchor="ctr"/>
+          <a:lstStyle/>
+          <a:p>
+            <a:endParaRPr lang="ru-RU"/>
+          </a:p>
+        </p:txBody>
+      </p:sp>
+      <p:sp>
+        <p:nvSpPr>
+          <p:cNvPr id="5" name="Заметки 4"/>
+          <p:cNvSpPr>
+            <a:spLocks noGrp="1"/>
+          </p:cNvSpPr>
+          <p:nvPr>
+            <p:ph type="body" sz="quarter" idx="3"/>
+          </p:nvPr>
+        </p:nvSpPr>
+        <p:spPr>
+          <a:xfrm>
+            <a:off x="685800" y="4400550"/>
+            <a:ext cx="5486400" cy="3600450"/>
+          </a:xfrm>
+          <a:prstGeom prst="rect">
+            <a:avLst/>
+          </a:prstGeom>
+        </p:spPr>
+        <p:txBody>
+          <a:bodyPr vert="horz" lIns="91440" tIns="45720" rIns="91440" bIns="45720" rtlCol="0"/>
+          <a:lstStyle/>
+          <a:p>
+            <a:pPr lvl="0"/>
+            <a:r>
+              <a:rPr lang="ru-RU" smtClean="0"/>
+              <a:t>Образец текста</a:t>
+            </a:r>
+          </a:p>
+          <a:p>
+            <a:pPr lvl="1"/>
+            <a:r>
+              <a:rPr lang="ru-RU" smtClean="0"/>
+              <a:t>Второй уровень</a:t>
+            </a:r>
+          </a:p>
+          <a:p>
+            <a:pPr lvl="2"/>
+            <a:r>
+              <a:rPr lang="ru-RU" smtClean="0"/>
+              <a:t>Третий уровень</a:t>
+            </a:r>
+          </a:p>
+          <a:p>
+            <a:pPr lvl="3"/>
+            <a:r>
+              <a:rPr lang="ru-RU" smtClean="0"/>
+              <a:t>Четвертый уровень</a:t>
+            </a:r>
+          </a:p>
+          <a:p>
+            <a:pPr lvl="4"/>
+            <a:r>
+              <a:rPr lang="ru-RU" smtClean="0"/>
+              <a:t>Пятый уровень</a:t>
+            </a:r>
+            <a:endParaRPr lang="ru-RU"/>
+          </a:p>
+        </p:txBody>
+      </p:sp>
+      <p:sp>
+        <p:nvSpPr>
+          <p:cNvPr id="6" name="Нижний колонтитул 5"/>
+          <p:cNvSpPr>
+            <a:spLocks noGrp="1"/>
+          </p:cNvSpPr>
+          <p:nvPr>
+            <p:ph type="ftr" sz="quarter" idx="4"/>
+          </p:nvPr>
+        </p:nvSpPr>
+        <p:spPr>
+          <a:xfrm>
+            <a:off x="0" y="8685213"/>
+            <a:ext cx="2971800" cy="458787"/>
+          </a:xfrm>
+          <a:prstGeom prst="rect">
+            <a:avLst/>
+          </a:prstGeom>
+        </p:spPr>
+        <p:txBody>
+          <a:bodyPr vert="horz" lIns="91440" tIns="45720" rIns="91440" bIns="45720" rtlCol="0" anchor="b"/>
+          <a:lstStyle>
+            <a:lvl1pPr algn="l">
+              <a:defRPr sz="1200"/>
+            </a:lvl1pPr>
+          </a:lstStyle>
+          <a:p>
+            <a:endParaRPr lang="ru-RU"/>
+          </a:p>
+        </p:txBody>
+      </p:sp>
+      <p:sp>
+        <p:nvSpPr>
+          <p:cNvPr id="7" name="Номер слайда 6"/>
+          <p:cNvSpPr>
+            <a:spLocks noGrp="1"/>
+          </p:cNvSpPr>
+          <p:nvPr>
+            <p:ph type="sldNum" sz="quarter" idx="5"/>
+          </p:nvPr>
+        </p:nvSpPr>
+        <p:spPr>
+          <a:xfrm>
+            <a:off x="3884613" y="8685213"/>
+            <a:ext cx="2971800" cy="458787"/>
+          </a:xfrm>
+          <a:prstGeom prst="rect">
+            <a:avLst/>
+          </a:prstGeom>
+        </p:spPr>
+        <p:txBody>
+          <a:bodyPr vert="horz" lIns="91440" tIns="45720" rIns="91440" bIns="45720" rtlCol="0" anchor="b"/>
+          <a:lstStyle>
+            <a:lvl1pPr algn="r">
+              <a:defRPr sz="1200"/>
+            </a:lvl1pPr>
+          </a:lstStyle>
+          <a:p>
+            <a:fld id="{E4A8429A-D8BE-4C9D-8609-EC283F195D85}" type="slidenum">
+              <a:rPr lang="ru-RU" smtClean="0"/>
+              <a:t>‹#›</a:t>
+            </a:fld>
+            <a:endParaRPr lang="ru-RU"/>
+          </a:p>
+        </p:txBody>
+      </p:sp>
+    </p:spTree>
+    <p:extLst>
+      <p:ext uri="{BB962C8B-B14F-4D97-AF65-F5344CB8AC3E}">
+        <p14:creationId xmlns:p14="http://schemas.microsoft.com/office/powerpoint/2010/main" val="3548328053"/>
+      </p:ext>
+    </p:extLst>
+  </p:cSld>
+  <p:clrMap bg1="lt1" tx1="dk1" bg2="lt2" tx2="dk2" accent1="accent1" accent2="accent2" accent3="accent3" accent4="accent4" accent5="accent5" accent6="accent6" hlink="hlink" folHlink="folHlink"/>
+  <p:notesStyle>
+    <a:lvl1pPr marL="0" algn="l" defTabSz="914400" rtl="0" eaLnBrk="1" latinLnBrk="0" hangingPunct="1">
+      <a:defRPr sz="1200" kern="1200">
+        <a:solidFill>
+          <a:schemeClr val="tx1"/>
+        </a:solidFill>
+        <a:latin typeface="+mn-lt"/>
+        <a:ea typeface="+mn-ea"/>
+        <a:cs typeface="+mn-cs"/>
+      </a:defRPr>
+    </a:lvl1pPr>
+    <a:lvl2pPr marL="457200" algn="l" defTabSz="914400" rtl="0" eaLnBrk="1" latinLnBrk="0" hangingPunct="1">
+      <a:defRPr sz="1200" kern="1200">
+        <a:solidFill>
+          <a:schemeClr val="tx1"/>
+        </a:solidFill>
+        <a:latin typeface="+mn-lt"/>
+        <a:ea typeface="+mn-ea"/>
+        <a:cs typeface="+mn-cs"/>
+      </a:defRPr>
+    </a:lvl2pPr>
+    <a:lvl3pPr marL="914400" algn="l" defTabSz="914400" rtl="0" eaLnBrk="1" latinLnBrk="0" hangingPunct="1">
+      <a:defRPr sz="1200" kern="1200">
+        <a:solidFill>
+          <a:schemeClr val="tx1"/>
+        </a:solidFill>
+        <a:latin typeface="+mn-lt"/>
+        <a:ea typeface="+mn-ea"/>
+        <a:cs typeface="+mn-cs"/>
+      </a:defRPr>
+    </a:lvl3pPr>
+    <a:lvl4pPr marL="1371600" algn="l" defTabSz="914400" rtl="0" eaLnBrk="1" latinLnBrk="0" hangingPunct="1">
+      <a:defRPr sz="1200" kern="1200">
+        <a:solidFill>
+          <a:schemeClr val="tx1"/>
+        </a:solidFill>
+        <a:latin typeface="+mn-lt"/>
+        <a:ea typeface="+mn-ea"/>
+        <a:cs typeface="+mn-cs"/>
+      </a:defRPr>
+    </a:lvl4pPr>
+    <a:lvl5pPr marL="1828800" algn="l" defTabSz="914400" rtl="0" eaLnBrk="1" latinLnBrk="0" hangingPunct="1">
+      <a:defRPr sz="1200" kern="1200">
+        <a:solidFill>
+          <a:schemeClr val="tx1"/>
+        </a:solidFill>
+        <a:latin typeface="+mn-lt"/>
+        <a:ea typeface="+mn-ea"/>
+        <a:cs typeface="+mn-cs"/>
+      </a:defRPr>
+    </a:lvl5pPr>
+    <a:lvl6pPr marL="2286000" algn="l" defTabSz="914400" rtl="0" eaLnBrk="1" latinLnBrk="0" hangingPunct="1">
+      <a:defRPr sz="1200" kern="1200">
+        <a:solidFill>
+          <a:schemeClr val="tx1"/>
+        </a:solidFill>
+        <a:latin typeface="+mn-lt"/>
+        <a:ea typeface="+mn-ea"/>
+        <a:cs typeface="+mn-cs"/>
+      </a:defRPr>
+    </a:lvl6pPr>
+    <a:lvl7pPr marL="2743200" algn="l" defTabSz="914400" rtl="0" eaLnBrk="1" latinLnBrk="0" hangingPunct="1">
+      <a:defRPr sz="1200" kern="1200">
+        <a:solidFill>
+          <a:schemeClr val="tx1"/>
+        </a:solidFill>
+        <a:latin typeface="+mn-lt"/>
+        <a:ea typeface="+mn-ea"/>
+        <a:cs typeface="+mn-cs"/>
+      </a:defRPr>
+    </a:lvl7pPr>
+    <a:lvl8pPr marL="3200400" algn="l" defTabSz="914400" rtl="0" eaLnBrk="1" latinLnBrk="0" hangingPunct="1">
+      <a:defRPr sz="1200" kern="1200">
+        <a:solidFill>
+          <a:schemeClr val="tx1"/>
+        </a:solidFill>
+        <a:latin typeface="+mn-lt"/>
+        <a:ea typeface="+mn-ea"/>
+        <a:cs typeface="+mn-cs"/>
+      </a:defRPr>
+    </a:lvl8pPr>
+    <a:lvl9pPr marL="3657600" algn="l" defTabSz="914400" rtl="0" eaLnBrk="1" latinLnBrk="0" hangingPunct="1">
+      <a:defRPr sz="1200" kern="1200">
+        <a:solidFill>
+          <a:schemeClr val="tx1"/>
+        </a:solidFill>
+        <a:latin typeface="+mn-lt"/>
+        <a:ea typeface="+mn-ea"/>
+        <a:cs typeface="+mn-cs"/>
+      </a:defRPr>
+    </a:lvl9pPr>
+  </p:notesStyle>
+</p:notesMaster>
+</file>
+
 <file path=ppt/slideLayouts/slideLayout1.xml><?xml version="1.0" encoding="utf-8"?>
 <p:sldLayout xmlns:a="http://schemas.openxmlformats.org/drawingml/2006/main" xmlns:r="http://schemas.openxmlformats.org/officeDocument/2006/relationships" xmlns:p="http://schemas.openxmlformats.org/presentationml/2006/main" type="title" preserve="1">
   <p:cSld name="Титульный слайд">
@@ -252,7 +606,7 @@
           <a:p>
             <a:fld id="{BEA61CB4-8CB1-4EAF-955E-C99528D1CACA}" type="datetimeFigureOut">
               <a:rPr lang="ru-RU" smtClean="0"/>
-              <a:t>05.04.2022</a:t>
+              <a:t>02.05.2023</a:t>
             </a:fld>
             <a:endParaRPr lang="ru-RU"/>
           </a:p>
@@ -422,7 +776,7 @@
           <a:p>
             <a:fld id="{BEA61CB4-8CB1-4EAF-955E-C99528D1CACA}" type="datetimeFigureOut">
               <a:rPr lang="ru-RU" smtClean="0"/>
-              <a:t>05.04.2022</a:t>
+              <a:t>02.05.2023</a:t>
             </a:fld>
             <a:endParaRPr lang="ru-RU"/>
           </a:p>
@@ -602,7 +956,7 @@
           <a:p>
             <a:fld id="{BEA61CB4-8CB1-4EAF-955E-C99528D1CACA}" type="datetimeFigureOut">
               <a:rPr lang="ru-RU" smtClean="0"/>
-              <a:t>05.04.2022</a:t>
+              <a:t>02.05.2023</a:t>
             </a:fld>
             <a:endParaRPr lang="ru-RU"/>
           </a:p>
@@ -772,7 +1126,7 @@
           <a:p>
             <a:fld id="{BEA61CB4-8CB1-4EAF-955E-C99528D1CACA}" type="datetimeFigureOut">
               <a:rPr lang="ru-RU" smtClean="0"/>
-              <a:t>05.04.2022</a:t>
+              <a:t>02.05.2023</a:t>
             </a:fld>
             <a:endParaRPr lang="ru-RU"/>
           </a:p>
@@ -1018,7 +1372,7 @@
           <a:p>
             <a:fld id="{BEA61CB4-8CB1-4EAF-955E-C99528D1CACA}" type="datetimeFigureOut">
               <a:rPr lang="ru-RU" smtClean="0"/>
-              <a:t>05.04.2022</a:t>
+              <a:t>02.05.2023</a:t>
             </a:fld>
             <a:endParaRPr lang="ru-RU"/>
           </a:p>
@@ -1250,7 +1604,7 @@
           <a:p>
             <a:fld id="{BEA61CB4-8CB1-4EAF-955E-C99528D1CACA}" type="datetimeFigureOut">
               <a:rPr lang="ru-RU" smtClean="0"/>
-              <a:t>05.04.2022</a:t>
+              <a:t>02.05.2023</a:t>
             </a:fld>
             <a:endParaRPr lang="ru-RU"/>
           </a:p>
@@ -1617,7 +1971,7 @@
           <a:p>
             <a:fld id="{BEA61CB4-8CB1-4EAF-955E-C99528D1CACA}" type="datetimeFigureOut">
               <a:rPr lang="ru-RU" smtClean="0"/>
-              <a:t>05.04.2022</a:t>
+              <a:t>02.05.2023</a:t>
             </a:fld>
             <a:endParaRPr lang="ru-RU"/>
           </a:p>
@@ -1735,7 +2089,7 @@
           <a:p>
             <a:fld id="{BEA61CB4-8CB1-4EAF-955E-C99528D1CACA}" type="datetimeFigureOut">
               <a:rPr lang="ru-RU" smtClean="0"/>
-              <a:t>05.04.2022</a:t>
+              <a:t>02.05.2023</a:t>
             </a:fld>
             <a:endParaRPr lang="ru-RU"/>
           </a:p>
@@ -1830,7 +2184,7 @@
           <a:p>
             <a:fld id="{BEA61CB4-8CB1-4EAF-955E-C99528D1CACA}" type="datetimeFigureOut">
               <a:rPr lang="ru-RU" smtClean="0"/>
-              <a:t>05.04.2022</a:t>
+              <a:t>02.05.2023</a:t>
             </a:fld>
             <a:endParaRPr lang="ru-RU"/>
           </a:p>
@@ -2107,7 +2461,7 @@
           <a:p>
             <a:fld id="{BEA61CB4-8CB1-4EAF-955E-C99528D1CACA}" type="datetimeFigureOut">
               <a:rPr lang="ru-RU" smtClean="0"/>
-              <a:t>05.04.2022</a:t>
+              <a:t>02.05.2023</a:t>
             </a:fld>
             <a:endParaRPr lang="ru-RU"/>
           </a:p>
@@ -2360,7 +2714,7 @@
           <a:p>
             <a:fld id="{BEA61CB4-8CB1-4EAF-955E-C99528D1CACA}" type="datetimeFigureOut">
               <a:rPr lang="ru-RU" smtClean="0"/>
-              <a:t>05.04.2022</a:t>
+              <a:t>02.05.2023</a:t>
             </a:fld>
             <a:endParaRPr lang="ru-RU"/>
           </a:p>
@@ -2573,7 +2927,7 @@
           <a:p>
             <a:fld id="{BEA61CB4-8CB1-4EAF-955E-C99528D1CACA}" type="datetimeFigureOut">
               <a:rPr lang="ru-RU" smtClean="0"/>
-              <a:t>05.04.2022</a:t>
+              <a:t>02.05.2023</a:t>
             </a:fld>
             <a:endParaRPr lang="ru-RU"/>
           </a:p>
@@ -2991,7 +3345,7 @@
         <p:spPr>
           <a:xfrm>
             <a:off x="81118" y="1986164"/>
-            <a:ext cx="12007970" cy="2387600"/>
+            <a:ext cx="11830630" cy="2387600"/>
           </a:xfrm>
         </p:spPr>
         <p:txBody>
@@ -3000,12 +3354,44 @@
           </a:bodyPr>
           <a:lstStyle/>
           <a:p>
+            <a:pPr>
+              <a:lnSpc>
+                <a:spcPct val="100000"/>
+              </a:lnSpc>
+            </a:pPr>
+            <a:r>
+              <a:rPr lang="ru-RU" sz="4000" dirty="0" smtClean="0">
+                <a:latin typeface="Arial" panose="020B0604020202020204" pitchFamily="34" charset="0"/>
+                <a:cs typeface="Arial" panose="020B0604020202020204" pitchFamily="34" charset="0"/>
+              </a:rPr>
+              <a:t>Отчет</a:t>
+            </a:r>
+            <a:br>
+              <a:rPr lang="ru-RU" sz="4000" dirty="0" smtClean="0">
+                <a:latin typeface="Arial" panose="020B0604020202020204" pitchFamily="34" charset="0"/>
+                <a:cs typeface="Arial" panose="020B0604020202020204" pitchFamily="34" charset="0"/>
+              </a:rPr>
+            </a:br>
+            <a:r>
+              <a:rPr lang="ru-RU" sz="4000" dirty="0" smtClean="0">
+                <a:latin typeface="Arial" panose="020B0604020202020204" pitchFamily="34" charset="0"/>
+                <a:cs typeface="Arial" panose="020B0604020202020204" pitchFamily="34" charset="0"/>
+              </a:rPr>
+              <a:t>о прохождении производственной </a:t>
+            </a:r>
+            <a:r>
+              <a:rPr lang="ru-RU" sz="4000" dirty="0" smtClean="0">
+                <a:latin typeface="Arial" panose="020B0604020202020204" pitchFamily="34" charset="0"/>
+                <a:cs typeface="Arial" panose="020B0604020202020204" pitchFamily="34" charset="0"/>
+              </a:rPr>
+              <a:t>практики</a:t>
+            </a:r>
             <a:r>
               <a:rPr lang="ru-RU" sz="4000" b="1" dirty="0" smtClean="0">
                 <a:latin typeface="Arial" panose="020B0604020202020204" pitchFamily="34" charset="0"/>
                 <a:cs typeface="Arial" panose="020B0604020202020204" pitchFamily="34" charset="0"/>
               </a:rPr>
-              <a:t>Отчет</a:t>
+              <a:t/>
             </a:r>
             <a:br>
               <a:rPr lang="ru-RU" sz="4000" b="1" dirty="0" smtClean="0">
@@ -3018,19 +3404,6 @@
                 <a:latin typeface="Arial" panose="020B0604020202020204" pitchFamily="34" charset="0"/>
                 <a:cs typeface="Arial" panose="020B0604020202020204" pitchFamily="34" charset="0"/>
               </a:rPr>
-              <a:t>о прохождении производственной практики</a:t>
-            </a:r>
-            <a:br>
-              <a:rPr lang="ru-RU" sz="4000" b="1" dirty="0" smtClean="0">
-                <a:latin typeface="Arial" panose="020B0604020202020204" pitchFamily="34" charset="0"/>
-                <a:cs typeface="Arial" panose="020B0604020202020204" pitchFamily="34" charset="0"/>
-              </a:rPr>
-            </a:br>
-            <a:r>
-              <a:rPr lang="ru-RU" sz="4000" b="1" dirty="0" smtClean="0">
-                <a:latin typeface="Arial" panose="020B0604020202020204" pitchFamily="34" charset="0"/>
-                <a:cs typeface="Arial" panose="020B0604020202020204" pitchFamily="34" charset="0"/>
-              </a:rPr>
               <a:t>в </a:t>
             </a:r>
             <a:r>
@@ -3038,14 +3411,21 @@
                 <a:latin typeface="Arial" panose="020B0604020202020204" pitchFamily="34" charset="0"/>
                 <a:cs typeface="Arial" panose="020B0604020202020204" pitchFamily="34" charset="0"/>
               </a:rPr>
-              <a:t>ГОУДПО </a:t>
-            </a:r>
-            <a:r>
-              <a:rPr lang="ru-RU" sz="4000" b="1" dirty="0" smtClean="0">
-                <a:latin typeface="Arial" panose="020B0604020202020204" pitchFamily="34" charset="0"/>
-                <a:cs typeface="Arial" panose="020B0604020202020204" pitchFamily="34" charset="0"/>
-              </a:rPr>
-              <a:t>«КРИРО»</a:t>
+              <a:t>ООО «Мобильные решения» («</a:t>
+            </a:r>
+            <a:r>
+              <a:rPr lang="en-US" sz="4000" b="1" dirty="0" err="1">
+                <a:latin typeface="Arial" panose="020B0604020202020204" pitchFamily="34" charset="0"/>
+                <a:cs typeface="Arial" panose="020B0604020202020204" pitchFamily="34" charset="0"/>
+              </a:rPr>
+              <a:t>AppSolution</a:t>
+            </a:r>
+            <a:r>
+              <a:rPr lang="en-US" sz="4000" b="1" dirty="0">
+                <a:latin typeface="Arial" panose="020B0604020202020204" pitchFamily="34" charset="0"/>
+                <a:cs typeface="Arial" panose="020B0604020202020204" pitchFamily="34" charset="0"/>
+              </a:rPr>
+              <a:t>»)</a:t>
             </a:r>
             <a:endParaRPr lang="ru-RU" sz="4000" b="1" dirty="0">
               <a:latin typeface="Arial" panose="020B0604020202020204" pitchFamily="34" charset="0"/>
@@ -3111,30 +3491,6 @@
           </a:p>
         </p:txBody>
       </p:sp>
-      <p:pic>
-        <p:nvPicPr>
-          <p:cNvPr id="5" name="Рисунок 4"/>
-          <p:cNvPicPr>
-            <a:picLocks noChangeAspect="1"/>
-          </p:cNvPicPr>
-          <p:nvPr/>
-        </p:nvPicPr>
-        <p:blipFill>
-          <a:blip r:embed="rId2"/>
-          <a:stretch>
-            <a:fillRect/>
-          </a:stretch>
-        </p:blipFill>
-        <p:spPr>
-          <a:xfrm>
-            <a:off x="0" y="0"/>
-            <a:ext cx="3026206" cy="3042788"/>
-          </a:xfrm>
-          <a:prstGeom prst="rect">
-            <a:avLst/>
-          </a:prstGeom>
-        </p:spPr>
-      </p:pic>
     </p:spTree>
     <p:extLst>
       <p:ext uri="{BB962C8B-B14F-4D97-AF65-F5344CB8AC3E}">
@@ -3172,6 +3528,67 @@
           <a:chExt cx="0" cy="0"/>
         </a:xfrm>
       </p:grpSpPr>
+      <p:pic>
+        <p:nvPicPr>
+          <p:cNvPr id="4" name="Рисунок 3"/>
+          <p:cNvPicPr>
+            <a:picLocks noChangeAspect="1"/>
+          </p:cNvPicPr>
+          <p:nvPr/>
+        </p:nvPicPr>
+        <p:blipFill>
+          <a:blip r:embed="rId2"/>
+          <a:stretch>
+            <a:fillRect/>
+          </a:stretch>
+        </p:blipFill>
+        <p:spPr>
+          <a:xfrm>
+            <a:off x="385762" y="514350"/>
+            <a:ext cx="11420475" cy="5829300"/>
+          </a:xfrm>
+          <a:prstGeom prst="rect">
+            <a:avLst/>
+          </a:prstGeom>
+        </p:spPr>
+      </p:pic>
+    </p:spTree>
+    <p:extLst>
+      <p:ext uri="{BB962C8B-B14F-4D97-AF65-F5344CB8AC3E}">
+        <p14:creationId xmlns:p14="http://schemas.microsoft.com/office/powerpoint/2010/main" val="497220953"/>
+      </p:ext>
+    </p:extLst>
+  </p:cSld>
+  <p:clrMapOvr>
+    <a:masterClrMapping/>
+  </p:clrMapOvr>
+  <p:timing>
+    <p:tnLst>
+      <p:par>
+        <p:cTn id="1" dur="indefinite" restart="never" nodeType="tmRoot"/>
+      </p:par>
+    </p:tnLst>
+  </p:timing>
+</p:sld>
+</file>
+
+<file path=ppt/slides/slide11.xml><?xml version="1.0" encoding="utf-8"?>
+<p:sld xmlns:a="http://schemas.openxmlformats.org/drawingml/2006/main" xmlns:r="http://schemas.openxmlformats.org/officeDocument/2006/relationships" xmlns:p="http://schemas.openxmlformats.org/presentationml/2006/main">
+  <p:cSld>
+    <p:spTree>
+      <p:nvGrpSpPr>
+        <p:cNvPr id="1" name=""/>
+        <p:cNvGrpSpPr/>
+        <p:nvPr/>
+      </p:nvGrpSpPr>
+      <p:grpSpPr>
+        <a:xfrm>
+          <a:off x="0" y="0"/>
+          <a:ext cx="0" cy="0"/>
+          <a:chOff x="0" y="0"/>
+          <a:chExt cx="0" cy="0"/>
+        </a:xfrm>
+      </p:grpSpPr>
       <p:sp>
         <p:nvSpPr>
           <p:cNvPr id="2" name="Заголовок 1"/>
@@ -3184,8 +3601,8 @@
         </p:nvSpPr>
         <p:spPr>
           <a:xfrm>
-            <a:off x="94891" y="112143"/>
-            <a:ext cx="12097109" cy="1325563"/>
+            <a:off x="647342" y="969393"/>
+            <a:ext cx="4105634" cy="1325563"/>
           </a:xfrm>
         </p:spPr>
         <p:txBody>
@@ -3221,8 +3638,8 @@
         </p:nvSpPr>
         <p:spPr>
           <a:xfrm>
-            <a:off x="782128" y="2156605"/>
-            <a:ext cx="10722633" cy="2786331"/>
+            <a:off x="744028" y="2623330"/>
+            <a:ext cx="10722633" cy="2501120"/>
           </a:xfrm>
         </p:spPr>
         <p:txBody>
@@ -3232,19 +3649,30 @@
           <a:lstStyle/>
           <a:p>
             <a:r>
+              <a:rPr lang="ru-RU" sz="3200" dirty="0" smtClean="0">
+                <a:latin typeface="Arial" panose="020B0604020202020204" pitchFamily="34" charset="0"/>
+                <a:cs typeface="Arial" panose="020B0604020202020204" pitchFamily="34" charset="0"/>
+              </a:rPr>
+              <a:t>Все цели производственной </a:t>
+            </a:r>
+            <a:r>
               <a:rPr lang="ru-RU" sz="3200" dirty="0">
                 <a:latin typeface="Arial" panose="020B0604020202020204" pitchFamily="34" charset="0"/>
                 <a:cs typeface="Arial" panose="020B0604020202020204" pitchFamily="34" charset="0"/>
               </a:rPr>
-              <a:t>Цели производственной практики </a:t>
+              <a:t>практики </a:t>
             </a:r>
             <a:r>
               <a:rPr lang="ru-RU" sz="3200" dirty="0" smtClean="0">
                 <a:latin typeface="Arial" panose="020B0604020202020204" pitchFamily="34" charset="0"/>
                 <a:cs typeface="Arial" panose="020B0604020202020204" pitchFamily="34" charset="0"/>
               </a:rPr>
-              <a:t>выполнены.</a:t>
-            </a:r>
+              <a:t>выполнены</a:t>
+            </a:r>
+            <a:endParaRPr lang="ru-RU" sz="3200" dirty="0" smtClean="0">
+              <a:latin typeface="Arial" panose="020B0604020202020204" pitchFamily="34" charset="0"/>
+              <a:cs typeface="Arial" panose="020B0604020202020204" pitchFamily="34" charset="0"/>
+            </a:endParaRPr>
           </a:p>
           <a:p>
             <a:r>
@@ -3252,42 +3680,42 @@
                 <a:latin typeface="Arial" panose="020B0604020202020204" pitchFamily="34" charset="0"/>
                 <a:cs typeface="Arial" panose="020B0604020202020204" pitchFamily="34" charset="0"/>
               </a:rPr>
-              <a:t>На практике удалость применить знания по </a:t>
+              <a:t>П</a:t>
             </a:r>
             <a:r>
               <a:rPr lang="ru-RU" sz="3200" dirty="0" smtClean="0">
                 <a:latin typeface="Arial" panose="020B0604020202020204" pitchFamily="34" charset="0"/>
                 <a:cs typeface="Arial" panose="020B0604020202020204" pitchFamily="34" charset="0"/>
               </a:rPr>
-              <a:t>работе </a:t>
+              <a:t>рименены имеющиеся и получены новые </a:t>
             </a:r>
             <a:r>
               <a:rPr lang="ru-RU" sz="3200" dirty="0">
                 <a:latin typeface="Arial" panose="020B0604020202020204" pitchFamily="34" charset="0"/>
                 <a:cs typeface="Arial" panose="020B0604020202020204" pitchFamily="34" charset="0"/>
               </a:rPr>
-              <a:t>с базой данных, навыки анализа </a:t>
+              <a:t>знания </a:t>
             </a:r>
             <a:r>
               <a:rPr lang="ru-RU" sz="3200" dirty="0" smtClean="0">
                 <a:latin typeface="Arial" panose="020B0604020202020204" pitchFamily="34" charset="0"/>
                 <a:cs typeface="Arial" panose="020B0604020202020204" pitchFamily="34" charset="0"/>
               </a:rPr>
-              <a:t>бизнес-процессов и </a:t>
-            </a:r>
-            <a:r>
-              <a:rPr lang="ru-RU" sz="3200" dirty="0">
-                <a:latin typeface="Arial" panose="020B0604020202020204" pitchFamily="34" charset="0"/>
-                <a:cs typeface="Arial" panose="020B0604020202020204" pitchFamily="34" charset="0"/>
-              </a:rPr>
-              <a:t>настройки программного </a:t>
+              <a:t>по </a:t>
+            </a:r>
+            <a:r>
+              <a:rPr lang="en-US" sz="3200" dirty="0" smtClean="0">
+                <a:latin typeface="Arial" panose="020B0604020202020204" pitchFamily="34" charset="0"/>
+                <a:cs typeface="Arial" panose="020B0604020202020204" pitchFamily="34" charset="0"/>
+              </a:rPr>
+              <a:t>frontend </a:t>
             </a:r>
             <a:r>
               <a:rPr lang="ru-RU" sz="3200" dirty="0" smtClean="0">
                 <a:latin typeface="Arial" panose="020B0604020202020204" pitchFamily="34" charset="0"/>
                 <a:cs typeface="Arial" panose="020B0604020202020204" pitchFamily="34" charset="0"/>
               </a:rPr>
-              <a:t>обеспечения.</a:t>
+              <a:t>разработке</a:t>
             </a:r>
           </a:p>
           <a:p>
@@ -3296,8 +3724,12 @@
                 <a:latin typeface="Arial" panose="020B0604020202020204" pitchFamily="34" charset="0"/>
                 <a:cs typeface="Arial" panose="020B0604020202020204" pitchFamily="34" charset="0"/>
               </a:rPr>
-              <a:t>Был получен хороший опыт.</a:t>
-            </a:r>
+              <a:t>Получен опыт работы в реальной компании.</a:t>
+            </a:r>
+            <a:endParaRPr lang="ru-RU" sz="3200" dirty="0" smtClean="0">
+              <a:latin typeface="Arial" panose="020B0604020202020204" pitchFamily="34" charset="0"/>
+              <a:cs typeface="Arial" panose="020B0604020202020204" pitchFamily="34" charset="0"/>
+            </a:endParaRPr>
           </a:p>
         </p:txBody>
       </p:sp>
@@ -3350,8 +3782,8 @@
         </p:nvSpPr>
         <p:spPr>
           <a:xfrm>
-            <a:off x="386032" y="1958197"/>
-            <a:ext cx="11699576" cy="4899804"/>
+            <a:off x="300115" y="2418465"/>
+            <a:ext cx="11699576" cy="2914512"/>
           </a:xfrm>
         </p:spPr>
         <p:txBody>
@@ -3382,143 +3814,96 @@
                 <a:latin typeface="Arial" panose="020B0604020202020204" pitchFamily="34" charset="0"/>
                 <a:cs typeface="Arial" panose="020B0604020202020204" pitchFamily="34" charset="0"/>
               </a:rPr>
-              <a:t>сферы деятельности:</a:t>
-            </a:r>
+              <a:t>сферы деятельности</a:t>
+            </a:r>
+            <a:r>
+              <a:rPr lang="ru-RU" b="1" dirty="0" smtClean="0">
+                <a:latin typeface="Arial" panose="020B0604020202020204" pitchFamily="34" charset="0"/>
+                <a:cs typeface="Arial" panose="020B0604020202020204" pitchFamily="34" charset="0"/>
+              </a:rPr>
+              <a:t>:</a:t>
+            </a:r>
+            <a:endParaRPr lang="en-US" b="1" dirty="0" smtClean="0">
+              <a:latin typeface="Arial" panose="020B0604020202020204" pitchFamily="34" charset="0"/>
+              <a:cs typeface="Arial" panose="020B0604020202020204" pitchFamily="34" charset="0"/>
+            </a:endParaRPr>
+          </a:p>
+          <a:p>
+            <a:pPr marL="0" indent="0">
+              <a:buNone/>
+            </a:pPr>
+            <a:endParaRPr lang="ru-RU" b="1" dirty="0">
+              <a:latin typeface="Arial" panose="020B0604020202020204" pitchFamily="34" charset="0"/>
+              <a:cs typeface="Arial" panose="020B0604020202020204" pitchFamily="34" charset="0"/>
+            </a:endParaRPr>
           </a:p>
           <a:p>
             <a:pPr lvl="0"/>
             <a:r>
-              <a:rPr lang="ru-RU" dirty="0" smtClean="0">
-                <a:latin typeface="Arial" panose="020B0604020202020204" pitchFamily="34" charset="0"/>
-                <a:cs typeface="Arial" panose="020B0604020202020204" pitchFamily="34" charset="0"/>
-              </a:rPr>
-              <a:t>экспертиза </a:t>
-            </a:r>
-            <a:r>
               <a:rPr lang="ru-RU" dirty="0">
                 <a:latin typeface="Arial" panose="020B0604020202020204" pitchFamily="34" charset="0"/>
                 <a:cs typeface="Arial" panose="020B0604020202020204" pitchFamily="34" charset="0"/>
               </a:rPr>
-              <a:t>инновационных образовательных </a:t>
-            </a:r>
-            <a:r>
-              <a:rPr lang="ru-RU" dirty="0" smtClean="0">
-                <a:latin typeface="Arial" panose="020B0604020202020204" pitchFamily="34" charset="0"/>
-                <a:cs typeface="Arial" panose="020B0604020202020204" pitchFamily="34" charset="0"/>
-              </a:rPr>
-              <a:t>инициатив</a:t>
+              <a:t>создание профильных сервисов по доставке воды</a:t>
             </a:r>
           </a:p>
           <a:p>
             <a:pPr lvl="0"/>
             <a:r>
-              <a:rPr lang="ru-RU" dirty="0" smtClean="0">
-                <a:latin typeface="Arial" panose="020B0604020202020204" pitchFamily="34" charset="0"/>
-                <a:cs typeface="Arial" panose="020B0604020202020204" pitchFamily="34" charset="0"/>
-              </a:rPr>
-              <a:t>научно-методическое </a:t>
-            </a:r>
-            <a:r>
               <a:rPr lang="ru-RU" dirty="0">
                 <a:latin typeface="Arial" panose="020B0604020202020204" pitchFamily="34" charset="0"/>
                 <a:cs typeface="Arial" panose="020B0604020202020204" pitchFamily="34" charset="0"/>
               </a:rPr>
-              <a:t>и организационно-методическое сопровождение информатизации </a:t>
-            </a:r>
-            <a:r>
-              <a:rPr lang="ru-RU" dirty="0" smtClean="0">
-                <a:latin typeface="Arial" panose="020B0604020202020204" pitchFamily="34" charset="0"/>
-                <a:cs typeface="Arial" panose="020B0604020202020204" pitchFamily="34" charset="0"/>
-              </a:rPr>
-              <a:t>образования</a:t>
+              <a:t>приложения для доставки разных продуктов</a:t>
             </a:r>
           </a:p>
           <a:p>
             <a:pPr lvl="0"/>
             <a:r>
-              <a:rPr lang="ru-RU" dirty="0" smtClean="0">
-                <a:latin typeface="Arial" panose="020B0604020202020204" pitchFamily="34" charset="0"/>
-                <a:cs typeface="Arial" panose="020B0604020202020204" pitchFamily="34" charset="0"/>
-              </a:rPr>
-              <a:t>информационная </a:t>
-            </a:r>
-            <a:r>
               <a:rPr lang="ru-RU" dirty="0">
                 <a:latin typeface="Arial" panose="020B0604020202020204" pitchFamily="34" charset="0"/>
                 <a:cs typeface="Arial" panose="020B0604020202020204" pitchFamily="34" charset="0"/>
               </a:rPr>
-              <a:t>и организационно-методическая поддержка образовательных </a:t>
-            </a:r>
-            <a:r>
-              <a:rPr lang="ru-RU" dirty="0" smtClean="0">
-                <a:latin typeface="Arial" panose="020B0604020202020204" pitchFamily="34" charset="0"/>
-                <a:cs typeface="Arial" panose="020B0604020202020204" pitchFamily="34" charset="0"/>
-              </a:rPr>
-              <a:t>организаций</a:t>
-            </a:r>
-          </a:p>
-          <a:p>
-            <a:pPr lvl="0"/>
-            <a:r>
-              <a:rPr lang="ru-RU" dirty="0" smtClean="0">
-                <a:latin typeface="Arial" panose="020B0604020202020204" pitchFamily="34" charset="0"/>
-                <a:cs typeface="Arial" panose="020B0604020202020204" pitchFamily="34" charset="0"/>
-              </a:rPr>
-              <a:t>мониторинг </a:t>
-            </a:r>
-            <a:r>
-              <a:rPr lang="ru-RU" dirty="0">
-                <a:latin typeface="Arial" panose="020B0604020202020204" pitchFamily="34" charset="0"/>
-                <a:cs typeface="Arial" panose="020B0604020202020204" pitchFamily="34" charset="0"/>
-              </a:rPr>
-              <a:t>функционирования и развития системы дошкольного образования</a:t>
-            </a:r>
-          </a:p>
-          <a:p>
-            <a:pPr lvl="0"/>
-            <a:r>
-              <a:rPr lang="ru-RU" dirty="0">
-                <a:latin typeface="Arial" panose="020B0604020202020204" pitchFamily="34" charset="0"/>
-                <a:cs typeface="Arial" panose="020B0604020202020204" pitchFamily="34" charset="0"/>
-              </a:rPr>
-              <a:t>аттестация педагогических </a:t>
-            </a:r>
-            <a:r>
-              <a:rPr lang="ru-RU" dirty="0" smtClean="0">
-                <a:latin typeface="Arial" panose="020B0604020202020204" pitchFamily="34" charset="0"/>
-                <a:cs typeface="Arial" panose="020B0604020202020204" pitchFamily="34" charset="0"/>
-              </a:rPr>
-              <a:t>работников</a:t>
-            </a:r>
-          </a:p>
-          <a:p>
-            <a:pPr lvl="0"/>
-            <a:r>
-              <a:rPr lang="ru-RU" dirty="0" smtClean="0">
-                <a:latin typeface="Arial" panose="020B0604020202020204" pitchFamily="34" charset="0"/>
-                <a:cs typeface="Arial" panose="020B0604020202020204" pitchFamily="34" charset="0"/>
-              </a:rPr>
-              <a:t>проведение </a:t>
-            </a:r>
-            <a:r>
-              <a:rPr lang="ru-RU" dirty="0">
-                <a:latin typeface="Arial" panose="020B0604020202020204" pitchFamily="34" charset="0"/>
-                <a:cs typeface="Arial" panose="020B0604020202020204" pitchFamily="34" charset="0"/>
-              </a:rPr>
-              <a:t>семинаров, конкурсов для учеников, учителей, руководителей</a:t>
-            </a:r>
-          </a:p>
-          <a:p>
+              <a:t>локальные </a:t>
+            </a:r>
+            <a:r>
+              <a:rPr lang="ru-RU" dirty="0" err="1">
+                <a:latin typeface="Arial" panose="020B0604020202020204" pitchFamily="34" charset="0"/>
+                <a:cs typeface="Arial" panose="020B0604020202020204" pitchFamily="34" charset="0"/>
+              </a:rPr>
+              <a:t>маркетплейсы</a:t>
+            </a:r>
             <a:endParaRPr lang="ru-RU" dirty="0">
               <a:latin typeface="Arial" panose="020B0604020202020204" pitchFamily="34" charset="0"/>
               <a:cs typeface="Arial" panose="020B0604020202020204" pitchFamily="34" charset="0"/>
             </a:endParaRPr>
           </a:p>
+          <a:p>
+            <a:pPr lvl="0"/>
+            <a:r>
+              <a:rPr lang="ru-RU" dirty="0">
+                <a:latin typeface="Arial" panose="020B0604020202020204" pitchFamily="34" charset="0"/>
+                <a:cs typeface="Arial" panose="020B0604020202020204" pitchFamily="34" charset="0"/>
+              </a:rPr>
+              <a:t>внедрение приложений для маркировки товаров</a:t>
+            </a:r>
+            <a:r>
+              <a:rPr lang="ru-RU" dirty="0" smtClean="0">
+                <a:latin typeface="Arial" panose="020B0604020202020204" pitchFamily="34" charset="0"/>
+                <a:cs typeface="Arial" panose="020B0604020202020204" pitchFamily="34" charset="0"/>
+              </a:rPr>
+              <a:t>.</a:t>
+            </a:r>
+            <a:endParaRPr lang="ru-RU" dirty="0">
+              <a:latin typeface="Arial" panose="020B0604020202020204" pitchFamily="34" charset="0"/>
+              <a:cs typeface="Arial" panose="020B0604020202020204" pitchFamily="34" charset="0"/>
+            </a:endParaRPr>
+          </a:p>
         </p:txBody>
       </p:sp>
       <p:pic>
         <p:nvPicPr>
-          <p:cNvPr id="2050" name="Picture 2" descr="https://xn--80aabzf4acrw.xn--p1ai/attachments/Image/2018-01-23_16-00-04.png?template=generic"/>
+          <p:cNvPr id="4" name="Picture 2" descr="https://static.tildacdn.com/tild3630-6562-4036-b635-316535613663/appsol_new_fin-02_3.png"/>
           <p:cNvPicPr>
             <a:picLocks noChangeAspect="1" noChangeArrowheads="1"/>
           </p:cNvPicPr>
@@ -3539,8 +3924,8 @@
         </p:blipFill>
         <p:spPr bwMode="auto">
           <a:xfrm>
-            <a:off x="0" y="1"/>
-            <a:ext cx="12192000" cy="1958195"/>
+            <a:off x="184108" y="0"/>
+            <a:ext cx="4939892" cy="2092336"/>
           </a:xfrm>
           <a:prstGeom prst="rect">
             <a:avLst/>
@@ -3596,18 +3981,18 @@
       </p:grpSpPr>
       <p:sp>
         <p:nvSpPr>
-          <p:cNvPr id="2" name="Заголовок 1"/>
-          <p:cNvSpPr>
-            <a:spLocks noGrp="1"/>
-          </p:cNvSpPr>
-          <p:nvPr>
-            <p:ph type="title"/>
+          <p:cNvPr id="3" name="Объект 2"/>
+          <p:cNvSpPr>
+            <a:spLocks noGrp="1"/>
+          </p:cNvSpPr>
+          <p:nvPr>
+            <p:ph idx="1"/>
           </p:nvPr>
         </p:nvSpPr>
         <p:spPr>
           <a:xfrm>
-            <a:off x="94891" y="365125"/>
-            <a:ext cx="12097109" cy="1325563"/>
+            <a:off x="275568" y="2767749"/>
+            <a:ext cx="11699576" cy="3700558"/>
           </a:xfrm>
         </p:spPr>
         <p:txBody>
@@ -3616,49 +4001,197 @@
           </a:bodyPr>
           <a:lstStyle/>
           <a:p>
-            <a:pPr algn="ctr"/>
-            <a:r>
-              <a:rPr lang="ru-RU" b="1" dirty="0" smtClean="0">
-                <a:latin typeface="Arial" panose="020B0604020202020204" pitchFamily="34" charset="0"/>
-                <a:cs typeface="Arial" panose="020B0604020202020204" pitchFamily="34" charset="0"/>
-              </a:rPr>
-              <a:t>Структура предприятия</a:t>
-            </a:r>
-            <a:endParaRPr lang="ru-RU" b="1" dirty="0">
+            <a:pPr lvl="0"/>
+            <a:r>
+              <a:rPr lang="ru-RU" sz="2400" dirty="0" smtClean="0">
+                <a:latin typeface="Arial" panose="020B0604020202020204" pitchFamily="34" charset="0"/>
+                <a:cs typeface="Arial" panose="020B0604020202020204" pitchFamily="34" charset="0"/>
+              </a:rPr>
+              <a:t>клиентское </a:t>
+            </a:r>
+            <a:r>
+              <a:rPr lang="ru-RU" sz="2400" dirty="0">
+                <a:latin typeface="Arial" panose="020B0604020202020204" pitchFamily="34" charset="0"/>
+                <a:cs typeface="Arial" panose="020B0604020202020204" pitchFamily="34" charset="0"/>
+              </a:rPr>
+              <a:t>мобильное приложение</a:t>
+            </a:r>
+          </a:p>
+          <a:p>
+            <a:pPr lvl="0"/>
+            <a:r>
+              <a:rPr lang="ru-RU" sz="2400" dirty="0">
+                <a:latin typeface="Arial" panose="020B0604020202020204" pitchFamily="34" charset="0"/>
+                <a:cs typeface="Arial" panose="020B0604020202020204" pitchFamily="34" charset="0"/>
+              </a:rPr>
+              <a:t>курьерское мобильное приложение</a:t>
+            </a:r>
+          </a:p>
+          <a:p>
+            <a:pPr lvl="0"/>
+            <a:r>
+              <a:rPr lang="ru-RU" sz="2400" dirty="0">
+                <a:latin typeface="Arial" panose="020B0604020202020204" pitchFamily="34" charset="0"/>
+                <a:cs typeface="Arial" panose="020B0604020202020204" pitchFamily="34" charset="0"/>
+              </a:rPr>
+              <a:t>сайт-приложение</a:t>
+            </a:r>
+          </a:p>
+          <a:p>
+            <a:pPr lvl="0"/>
+            <a:r>
+              <a:rPr lang="ru-RU" sz="2400" dirty="0">
+                <a:latin typeface="Arial" panose="020B0604020202020204" pitchFamily="34" charset="0"/>
+                <a:cs typeface="Arial" panose="020B0604020202020204" pitchFamily="34" charset="0"/>
+              </a:rPr>
+              <a:t>чат-боты в </a:t>
+            </a:r>
+            <a:r>
+              <a:rPr lang="en-US" sz="2400" dirty="0">
+                <a:latin typeface="Arial" panose="020B0604020202020204" pitchFamily="34" charset="0"/>
+                <a:cs typeface="Arial" panose="020B0604020202020204" pitchFamily="34" charset="0"/>
+              </a:rPr>
+              <a:t>Telegram</a:t>
+            </a:r>
+            <a:endParaRPr lang="ru-RU" sz="2400" dirty="0">
               <a:latin typeface="Arial" panose="020B0604020202020204" pitchFamily="34" charset="0"/>
               <a:cs typeface="Arial" panose="020B0604020202020204" pitchFamily="34" charset="0"/>
             </a:endParaRPr>
           </a:p>
+          <a:p>
+            <a:pPr lvl="0"/>
+            <a:r>
+              <a:rPr lang="ru-RU" sz="2400" dirty="0">
+                <a:latin typeface="Arial" panose="020B0604020202020204" pitchFamily="34" charset="0"/>
+                <a:cs typeface="Arial" panose="020B0604020202020204" pitchFamily="34" charset="0"/>
+              </a:rPr>
+              <a:t>кабинет оператора</a:t>
+            </a:r>
+          </a:p>
+          <a:p>
+            <a:pPr lvl="0"/>
+            <a:r>
+              <a:rPr lang="ru-RU" sz="2400" dirty="0">
+                <a:latin typeface="Arial" panose="020B0604020202020204" pitchFamily="34" charset="0"/>
+                <a:cs typeface="Arial" panose="020B0604020202020204" pitchFamily="34" charset="0"/>
+              </a:rPr>
+              <a:t>кабинет маркетолога</a:t>
+            </a:r>
+          </a:p>
+          <a:p>
+            <a:pPr lvl="0"/>
+            <a:r>
+              <a:rPr lang="ru-RU" sz="2400" dirty="0">
+                <a:latin typeface="Arial" panose="020B0604020202020204" pitchFamily="34" charset="0"/>
+                <a:cs typeface="Arial" panose="020B0604020202020204" pitchFamily="34" charset="0"/>
+              </a:rPr>
+              <a:t>партнерский </a:t>
+            </a:r>
+            <a:r>
+              <a:rPr lang="ru-RU" sz="2400" dirty="0" err="1">
+                <a:latin typeface="Arial" panose="020B0604020202020204" pitchFamily="34" charset="0"/>
+                <a:cs typeface="Arial" panose="020B0604020202020204" pitchFamily="34" charset="0"/>
+              </a:rPr>
+              <a:t>виджет</a:t>
+            </a:r>
+            <a:endParaRPr lang="ru-RU" sz="2400" dirty="0">
+              <a:latin typeface="Arial" panose="020B0604020202020204" pitchFamily="34" charset="0"/>
+              <a:cs typeface="Arial" panose="020B0604020202020204" pitchFamily="34" charset="0"/>
+            </a:endParaRPr>
+          </a:p>
+          <a:p>
+            <a:pPr lvl="0"/>
+            <a:r>
+              <a:rPr lang="ru-RU" sz="2400" dirty="0">
+                <a:latin typeface="Arial" panose="020B0604020202020204" pitchFamily="34" charset="0"/>
+                <a:cs typeface="Arial" panose="020B0604020202020204" pitchFamily="34" charset="0"/>
+              </a:rPr>
+              <a:t>голосовой помощник.</a:t>
+            </a:r>
+          </a:p>
         </p:txBody>
       </p:sp>
       <p:pic>
         <p:nvPicPr>
-          <p:cNvPr id="5" name="Рисунок 4"/>
+          <p:cNvPr id="4" name="Picture 2" descr="https://static.tildacdn.com/tild3630-6562-4036-b635-316535613663/appsol_new_fin-02_3.png"/>
           <p:cNvPicPr>
-            <a:picLocks noChangeAspect="1"/>
+            <a:picLocks noChangeAspect="1" noChangeArrowheads="1"/>
           </p:cNvPicPr>
           <p:nvPr/>
         </p:nvPicPr>
         <p:blipFill>
-          <a:blip r:embed="rId2"/>
+          <a:blip r:embed="rId2">
+            <a:extLst>
+              <a:ext uri="{28A0092B-C50C-407E-A947-70E740481C1C}">
+                <a14:useLocalDpi xmlns:a14="http://schemas.microsoft.com/office/drawing/2010/main" val="0"/>
+              </a:ext>
+            </a:extLst>
+          </a:blip>
+          <a:srcRect/>
           <a:stretch>
             <a:fillRect/>
           </a:stretch>
         </p:blipFill>
-        <p:spPr>
-          <a:xfrm>
-            <a:off x="1201374" y="1966824"/>
-            <a:ext cx="9884142" cy="2770638"/>
+        <p:spPr bwMode="auto">
+          <a:xfrm>
+            <a:off x="184108" y="0"/>
+            <a:ext cx="4939892" cy="2092336"/>
           </a:xfrm>
           <a:prstGeom prst="rect">
             <a:avLst/>
           </a:prstGeom>
+          <a:noFill/>
+          <a:extLst>
+            <a:ext uri="{909E8E84-426E-40DD-AFC4-6F175D3DCCD1}">
+              <a14:hiddenFill xmlns:a14="http://schemas.microsoft.com/office/drawing/2010/main">
+                <a:solidFill>
+                  <a:srgbClr val="FFFFFF"/>
+                </a:solidFill>
+              </a14:hiddenFill>
+            </a:ext>
+          </a:extLst>
         </p:spPr>
       </p:pic>
+      <p:sp>
+        <p:nvSpPr>
+          <p:cNvPr id="2" name="TextBox 1"/>
+          <p:cNvSpPr txBox="1"/>
+          <p:nvPr/>
+        </p:nvSpPr>
+        <p:spPr>
+          <a:xfrm>
+            <a:off x="275568" y="2092336"/>
+            <a:ext cx="3296928" cy="523220"/>
+          </a:xfrm>
+          <a:prstGeom prst="rect">
+            <a:avLst/>
+          </a:prstGeom>
+          <a:noFill/>
+        </p:spPr>
+        <p:txBody>
+          <a:bodyPr wrap="none" rtlCol="0">
+            <a:spAutoFit/>
+          </a:bodyPr>
+          <a:lstStyle/>
+          <a:p>
+            <a:r>
+              <a:rPr lang="ru-RU" sz="2800" b="1" dirty="0" smtClean="0">
+                <a:latin typeface="Arial" panose="020B0604020202020204" pitchFamily="34" charset="0"/>
+                <a:cs typeface="Arial" panose="020B0604020202020204" pitchFamily="34" charset="0"/>
+              </a:rPr>
+              <a:t>Клиент получает:</a:t>
+            </a:r>
+            <a:endParaRPr lang="ru-RU" sz="2800" b="1" dirty="0">
+              <a:latin typeface="Arial" panose="020B0604020202020204" pitchFamily="34" charset="0"/>
+              <a:cs typeface="Arial" panose="020B0604020202020204" pitchFamily="34" charset="0"/>
+            </a:endParaRPr>
+          </a:p>
+        </p:txBody>
+      </p:sp>
     </p:spTree>
     <p:extLst>
       <p:ext uri="{BB962C8B-B14F-4D97-AF65-F5344CB8AC3E}">
-        <p14:creationId xmlns:p14="http://schemas.microsoft.com/office/powerpoint/2010/main" val="4112609667"/>
+        <p14:creationId xmlns:p14="http://schemas.microsoft.com/office/powerpoint/2010/main" val="3149153498"/>
       </p:ext>
     </p:extLst>
   </p:cSld>
@@ -3755,7 +4288,7 @@
                 <a:latin typeface="Arial" panose="020B0604020202020204" pitchFamily="34" charset="0"/>
                 <a:cs typeface="Arial" panose="020B0604020202020204" pitchFamily="34" charset="0"/>
               </a:rPr>
-              <a:t>проведение анализа специфики деятельности предприятия и его основных бизнес-процессов</a:t>
+              <a:t>проведение анализа специфики деятельности предприятия и обзор основных разрабатываемых продуктов</a:t>
             </a:r>
           </a:p>
           <a:p>
@@ -3765,7 +4298,7 @@
                 <a:latin typeface="Arial" panose="020B0604020202020204" pitchFamily="34" charset="0"/>
                 <a:cs typeface="Arial" panose="020B0604020202020204" pitchFamily="34" charset="0"/>
               </a:rPr>
-              <a:t>изучение особенностей информационного и компьютерного обеспечения предприятия</a:t>
+              <a:t>изучение особенностей разработки и внедрения ПО</a:t>
             </a:r>
           </a:p>
           <a:p>
@@ -3775,19 +4308,8 @@
                 <a:latin typeface="Arial" panose="020B0604020202020204" pitchFamily="34" charset="0"/>
                 <a:cs typeface="Arial" panose="020B0604020202020204" pitchFamily="34" charset="0"/>
               </a:rPr>
-              <a:t>поиск способов оптимизации основных бизнес-процессов </a:t>
-            </a:r>
-            <a:r>
-              <a:rPr lang="ru-RU" dirty="0" smtClean="0">
-                <a:latin typeface="Arial" panose="020B0604020202020204" pitchFamily="34" charset="0"/>
-                <a:cs typeface="Arial" panose="020B0604020202020204" pitchFamily="34" charset="0"/>
-              </a:rPr>
-              <a:t>предприятия</a:t>
-            </a:r>
-            <a:endParaRPr lang="ru-RU" dirty="0">
-              <a:latin typeface="Arial" panose="020B0604020202020204" pitchFamily="34" charset="0"/>
-              <a:cs typeface="Arial" panose="020B0604020202020204" pitchFamily="34" charset="0"/>
-            </a:endParaRPr>
+              <a:t>рассмотрение применяемых технологий для разработки современных веб и мобильных приложений.</a:t>
+            </a:r>
           </a:p>
         </p:txBody>
       </p:sp>
@@ -3840,8 +4362,8 @@
         </p:nvSpPr>
         <p:spPr>
           <a:xfrm>
-            <a:off x="665671" y="1483742"/>
-            <a:ext cx="10936857" cy="5676181"/>
+            <a:off x="898586" y="2416553"/>
+            <a:ext cx="10936857" cy="2450019"/>
           </a:xfrm>
         </p:spPr>
         <p:txBody>
@@ -3850,56 +4372,33 @@
           </a:bodyPr>
           <a:lstStyle/>
           <a:p>
-            <a:r>
-              <a:rPr lang="ru-RU" sz="3200" dirty="0" smtClean="0">
-                <a:latin typeface="Arial" panose="020B0604020202020204" pitchFamily="34" charset="0"/>
-                <a:cs typeface="Arial" panose="020B0604020202020204" pitchFamily="34" charset="0"/>
-              </a:rPr>
-              <a:t>анализ </a:t>
-            </a:r>
-            <a:r>
-              <a:rPr lang="ru-RU" sz="3200" dirty="0">
-                <a:latin typeface="Arial" panose="020B0604020202020204" pitchFamily="34" charset="0"/>
-                <a:cs typeface="Arial" panose="020B0604020202020204" pitchFamily="34" charset="0"/>
-              </a:rPr>
-              <a:t>бизнес-процессов с целью их последующей оптимизации и реинжиниринга</a:t>
-            </a:r>
-          </a:p>
-          <a:p>
             <a:pPr lvl="0"/>
             <a:r>
-              <a:rPr lang="ru-RU" sz="3200" dirty="0" smtClean="0">
-                <a:latin typeface="Arial" panose="020B0604020202020204" pitchFamily="34" charset="0"/>
-                <a:cs typeface="Arial" panose="020B0604020202020204" pitchFamily="34" charset="0"/>
-              </a:rPr>
-              <a:t>инсталляция</a:t>
-            </a:r>
-            <a:r>
-              <a:rPr lang="ru-RU" sz="3200" dirty="0">
-                <a:latin typeface="Arial" panose="020B0604020202020204" pitchFamily="34" charset="0"/>
-                <a:cs typeface="Arial" panose="020B0604020202020204" pitchFamily="34" charset="0"/>
-              </a:rPr>
-              <a:t>, сопровождения и настройка программного обеспечения общего назначения и специализированных программ</a:t>
+              <a:rPr lang="ru-RU" dirty="0">
+                <a:latin typeface="Arial" panose="020B0604020202020204" pitchFamily="34" charset="0"/>
+                <a:cs typeface="Arial" panose="020B0604020202020204" pitchFamily="34" charset="0"/>
+              </a:rPr>
+              <a:t>создание прикладного программного обеспечения на основе современных технологий</a:t>
             </a:r>
           </a:p>
           <a:p>
             <a:pPr lvl="0"/>
             <a:r>
-              <a:rPr lang="ru-RU" sz="3200" dirty="0">
-                <a:latin typeface="Arial" panose="020B0604020202020204" pitchFamily="34" charset="0"/>
-                <a:cs typeface="Arial" panose="020B0604020202020204" pitchFamily="34" charset="0"/>
-              </a:rPr>
-              <a:t>изготовление различного рода информационных материалов с использованием компьютерных технологий</a:t>
+              <a:rPr lang="ru-RU" dirty="0">
+                <a:latin typeface="Arial" panose="020B0604020202020204" pitchFamily="34" charset="0"/>
+                <a:cs typeface="Arial" panose="020B0604020202020204" pitchFamily="34" charset="0"/>
+              </a:rPr>
+              <a:t>получение опыта удаленной совместной разработки</a:t>
             </a:r>
           </a:p>
           <a:p>
             <a:pPr lvl="0"/>
             <a:r>
-              <a:rPr lang="ru-RU" sz="3200" dirty="0">
-                <a:latin typeface="Arial" panose="020B0604020202020204" pitchFamily="34" charset="0"/>
-                <a:cs typeface="Arial" panose="020B0604020202020204" pitchFamily="34" charset="0"/>
-              </a:rPr>
-              <a:t>изучение деятельности ИТ-отдела</a:t>
+              <a:rPr lang="ru-RU" dirty="0">
+                <a:latin typeface="Arial" panose="020B0604020202020204" pitchFamily="34" charset="0"/>
+                <a:cs typeface="Arial" panose="020B0604020202020204" pitchFamily="34" charset="0"/>
+              </a:rPr>
+              <a:t>изучение деятельности реальной ИТ-компании.</a:t>
             </a:r>
           </a:p>
         </p:txBody>
@@ -3912,7 +4411,7 @@
         </p:nvSpPr>
         <p:spPr>
           <a:xfrm>
-            <a:off x="898586" y="500332"/>
+            <a:off x="898586" y="1377910"/>
             <a:ext cx="9532189" cy="646331"/>
           </a:xfrm>
           <a:prstGeom prst="rect">
@@ -3927,7 +4426,10 @@
           <a:lstStyle/>
           <a:p>
             <a:r>
-              <a:rPr lang="ru-RU" sz="3600" b="1" dirty="0" smtClean="0"/>
+              <a:rPr lang="ru-RU" sz="3600" b="1" dirty="0" smtClean="0">
+                <a:latin typeface="Arial" panose="020B0604020202020204" pitchFamily="34" charset="0"/>
+                <a:cs typeface="Arial" panose="020B0604020202020204" pitchFamily="34" charset="0"/>
+              </a:rPr>
               <a:t>Задачи производственной практики:</a:t>
             </a:r>
           </a:p>
@@ -3972,106 +4474,68 @@
       </p:grpSpPr>
       <p:sp>
         <p:nvSpPr>
-          <p:cNvPr id="2" name="Заголовок 1"/>
-          <p:cNvSpPr>
-            <a:spLocks noGrp="1"/>
-          </p:cNvSpPr>
-          <p:nvPr>
-            <p:ph type="title"/>
-          </p:nvPr>
-        </p:nvSpPr>
-        <p:spPr/>
-        <p:txBody>
-          <a:bodyPr>
-            <a:normAutofit/>
+          <p:cNvPr id="4" name="TextBox 3"/>
+          <p:cNvSpPr txBox="1"/>
+          <p:nvPr/>
+        </p:nvSpPr>
+        <p:spPr>
+          <a:xfrm>
+            <a:off x="650936" y="796885"/>
+            <a:ext cx="9532189" cy="646331"/>
+          </a:xfrm>
+          <a:prstGeom prst="rect">
+            <a:avLst/>
+          </a:prstGeom>
+          <a:noFill/>
+        </p:spPr>
+        <p:txBody>
+          <a:bodyPr wrap="square" rtlCol="0">
+            <a:spAutoFit/>
           </a:bodyPr>
           <a:lstStyle/>
           <a:p>
-            <a:pPr algn="ctr"/>
-            <a:r>
-              <a:rPr lang="ru-RU" b="1" dirty="0">
-                <a:latin typeface="Arial" panose="020B0604020202020204" pitchFamily="34" charset="0"/>
-                <a:cs typeface="Arial" panose="020B0604020202020204" pitchFamily="34" charset="0"/>
-              </a:rPr>
-              <a:t>Краткий анализ специфики деятельности </a:t>
-            </a:r>
-            <a:r>
-              <a:rPr lang="ru-RU" b="1" dirty="0" smtClean="0">
-                <a:latin typeface="Arial" panose="020B0604020202020204" pitchFamily="34" charset="0"/>
-                <a:cs typeface="Arial" panose="020B0604020202020204" pitchFamily="34" charset="0"/>
-              </a:rPr>
-              <a:t>предприятия</a:t>
-            </a:r>
-            <a:endParaRPr lang="ru-RU" b="1" dirty="0">
+            <a:r>
+              <a:rPr lang="ru-RU" sz="3600" b="1" dirty="0" smtClean="0">
+                <a:latin typeface="Arial" panose="020B0604020202020204" pitchFamily="34" charset="0"/>
+                <a:cs typeface="Arial" panose="020B0604020202020204" pitchFamily="34" charset="0"/>
+              </a:rPr>
+              <a:t>Структура предприятия:</a:t>
+            </a:r>
+            <a:endParaRPr lang="ru-RU" sz="3600" b="1" dirty="0" smtClean="0">
               <a:latin typeface="Arial" panose="020B0604020202020204" pitchFamily="34" charset="0"/>
               <a:cs typeface="Arial" panose="020B0604020202020204" pitchFamily="34" charset="0"/>
             </a:endParaRPr>
           </a:p>
         </p:txBody>
       </p:sp>
-      <p:sp>
-        <p:nvSpPr>
-          <p:cNvPr id="3" name="Объект 2"/>
-          <p:cNvSpPr>
-            <a:spLocks noGrp="1"/>
-          </p:cNvSpPr>
-          <p:nvPr>
-            <p:ph idx="1"/>
-          </p:nvPr>
-        </p:nvSpPr>
+      <p:pic>
+        <p:nvPicPr>
+          <p:cNvPr id="5" name="Рисунок 4"/>
+          <p:cNvPicPr>
+            <a:picLocks noChangeAspect="1"/>
+          </p:cNvPicPr>
+          <p:nvPr/>
+        </p:nvPicPr>
+        <p:blipFill>
+          <a:blip r:embed="rId2"/>
+          <a:stretch>
+            <a:fillRect/>
+          </a:stretch>
+        </p:blipFill>
         <p:spPr>
           <a:xfrm>
-            <a:off x="838200" y="2260121"/>
-            <a:ext cx="11057626" cy="3821502"/>
-          </a:xfrm>
-        </p:spPr>
-        <p:txBody>
-          <a:bodyPr>
-            <a:normAutofit/>
-          </a:bodyPr>
-          <a:lstStyle/>
-          <a:p>
-            <a:pPr lvl="0"/>
-            <a:r>
-              <a:rPr lang="ru-RU" sz="3200" dirty="0">
-                <a:latin typeface="Arial" panose="020B0604020202020204" pitchFamily="34" charset="0"/>
-                <a:cs typeface="Arial" panose="020B0604020202020204" pitchFamily="34" charset="0"/>
-              </a:rPr>
-              <a:t>мониторинг функционирования и развития системы дошкольного образования</a:t>
-            </a:r>
-          </a:p>
-          <a:p>
-            <a:pPr lvl="0"/>
-            <a:r>
-              <a:rPr lang="ru-RU" sz="3200" dirty="0">
-                <a:latin typeface="Arial" panose="020B0604020202020204" pitchFamily="34" charset="0"/>
-                <a:cs typeface="Arial" panose="020B0604020202020204" pitchFamily="34" charset="0"/>
-              </a:rPr>
-              <a:t>аттестация педагогических работников</a:t>
-            </a:r>
-          </a:p>
-          <a:p>
-            <a:pPr lvl="0"/>
-            <a:r>
-              <a:rPr lang="ru-RU" sz="3200" dirty="0">
-                <a:latin typeface="Arial" panose="020B0604020202020204" pitchFamily="34" charset="0"/>
-                <a:cs typeface="Arial" panose="020B0604020202020204" pitchFamily="34" charset="0"/>
-              </a:rPr>
-              <a:t>проведение семинаров, конкурсов для учеников, учителей, руководителей</a:t>
-            </a:r>
-          </a:p>
-          <a:p>
-            <a:endParaRPr lang="ru-RU" dirty="0">
-              <a:latin typeface="Arial" panose="020B0604020202020204" pitchFamily="34" charset="0"/>
-              <a:cs typeface="Arial" panose="020B0604020202020204" pitchFamily="34" charset="0"/>
-            </a:endParaRPr>
-          </a:p>
-        </p:txBody>
-      </p:sp>
+            <a:off x="650936" y="2072444"/>
+            <a:ext cx="11215688" cy="2523368"/>
+          </a:xfrm>
+          <a:prstGeom prst="rect">
+            <a:avLst/>
+          </a:prstGeom>
+        </p:spPr>
+      </p:pic>
     </p:spTree>
     <p:extLst>
       <p:ext uri="{BB962C8B-B14F-4D97-AF65-F5344CB8AC3E}">
-        <p14:creationId xmlns:p14="http://schemas.microsoft.com/office/powerpoint/2010/main" val="2589354229"/>
+        <p14:creationId xmlns:p14="http://schemas.microsoft.com/office/powerpoint/2010/main" val="3020564470"/>
       </p:ext>
     </p:extLst>
   </p:cSld>
@@ -4115,7 +4579,12 @@
             <p:ph type="title"/>
           </p:nvPr>
         </p:nvSpPr>
-        <p:spPr/>
+        <p:spPr>
+          <a:xfrm>
+            <a:off x="434915" y="107950"/>
+            <a:ext cx="6820259" cy="1325563"/>
+          </a:xfrm>
+        </p:spPr>
         <p:txBody>
           <a:bodyPr>
             <a:normAutofit/>
@@ -4128,14 +4597,14 @@
                 <a:latin typeface="Arial" panose="020B0604020202020204" pitchFamily="34" charset="0"/>
                 <a:cs typeface="Arial" panose="020B0604020202020204" pitchFamily="34" charset="0"/>
               </a:rPr>
-              <a:t>Технический парк и система сетевых </a:t>
+              <a:t>Технологии </a:t>
             </a:r>
             <a:r>
               <a:rPr lang="ru-RU" b="1" dirty="0" smtClean="0">
                 <a:latin typeface="Arial" panose="020B0604020202020204" pitchFamily="34" charset="0"/>
                 <a:cs typeface="Arial" panose="020B0604020202020204" pitchFamily="34" charset="0"/>
               </a:rPr>
-              <a:t>телекоммуникаций</a:t>
+              <a:t>разработки</a:t>
             </a:r>
             <a:endParaRPr lang="ru-RU" b="1" dirty="0">
               <a:latin typeface="Arial" panose="020B0604020202020204" pitchFamily="34" charset="0"/>
@@ -4156,8 +4625,8 @@
         </p:nvSpPr>
         <p:spPr>
           <a:xfrm>
-            <a:off x="1235015" y="2087593"/>
-            <a:ext cx="10013830" cy="4416724"/>
+            <a:off x="568265" y="1535862"/>
+            <a:ext cx="10013830" cy="1331163"/>
           </a:xfrm>
         </p:spPr>
         <p:txBody>
@@ -4166,57 +4635,134 @@
           </a:bodyPr>
           <a:lstStyle/>
           <a:p>
-            <a:r>
-              <a:rPr lang="ru-RU" sz="3200" dirty="0" smtClean="0">
-                <a:latin typeface="Arial" panose="020B0604020202020204" pitchFamily="34" charset="0"/>
-                <a:cs typeface="Arial" panose="020B0604020202020204" pitchFamily="34" charset="0"/>
-              </a:rPr>
-              <a:t>компьютеры (120 единиц)</a:t>
-            </a:r>
-          </a:p>
-          <a:p>
-            <a:r>
-              <a:rPr lang="ru-RU" sz="3200" dirty="0" smtClean="0">
-                <a:latin typeface="Arial" panose="020B0604020202020204" pitchFamily="34" charset="0"/>
-                <a:cs typeface="Arial" panose="020B0604020202020204" pitchFamily="34" charset="0"/>
-              </a:rPr>
-              <a:t>мультимедийными проекторами (7 единиц)</a:t>
-            </a:r>
-          </a:p>
-          <a:p>
-            <a:r>
-              <a:rPr lang="ru-RU" sz="3200" dirty="0" smtClean="0">
-                <a:latin typeface="Arial" panose="020B0604020202020204" pitchFamily="34" charset="0"/>
-                <a:cs typeface="Arial" panose="020B0604020202020204" pitchFamily="34" charset="0"/>
-              </a:rPr>
-              <a:t>интерактивные доски (7 единиц)</a:t>
-            </a:r>
-          </a:p>
-          <a:p>
-            <a:r>
-              <a:rPr lang="ru-RU" sz="3200" dirty="0" smtClean="0">
-                <a:latin typeface="Arial" panose="020B0604020202020204" pitchFamily="34" charset="0"/>
-                <a:cs typeface="Arial" panose="020B0604020202020204" pitchFamily="34" charset="0"/>
-              </a:rPr>
-              <a:t>интерактивная панель </a:t>
-            </a:r>
-          </a:p>
-          <a:p>
-            <a:r>
-              <a:rPr lang="ru-RU" sz="3200" dirty="0" smtClean="0">
-                <a:latin typeface="Arial" panose="020B0604020202020204" pitchFamily="34" charset="0"/>
-                <a:cs typeface="Arial" panose="020B0604020202020204" pitchFamily="34" charset="0"/>
-              </a:rPr>
-              <a:t>интерактивная трибуна </a:t>
-            </a:r>
-          </a:p>
-          <a:p>
-            <a:r>
-              <a:rPr lang="ru-RU" sz="3200" dirty="0" smtClean="0">
-                <a:latin typeface="Arial" panose="020B0604020202020204" pitchFamily="34" charset="0"/>
-                <a:cs typeface="Arial" panose="020B0604020202020204" pitchFamily="34" charset="0"/>
-              </a:rPr>
-              <a:t>4 телевизионные панели</a:t>
+            <a:pPr marL="0" lvl="0" indent="0">
+              <a:buNone/>
+            </a:pPr>
+            <a:r>
+              <a:rPr lang="en-US" b="1" dirty="0" smtClean="0">
+                <a:latin typeface="Arial" panose="020B0604020202020204" pitchFamily="34" charset="0"/>
+                <a:cs typeface="Arial" panose="020B0604020202020204" pitchFamily="34" charset="0"/>
+              </a:rPr>
+              <a:t>frontend</a:t>
+            </a:r>
+            <a:r>
+              <a:rPr lang="ru-RU" dirty="0" smtClean="0">
+                <a:latin typeface="Arial" panose="020B0604020202020204" pitchFamily="34" charset="0"/>
+                <a:cs typeface="Arial" panose="020B0604020202020204" pitchFamily="34" charset="0"/>
+              </a:rPr>
+              <a:t> ­–</a:t>
+            </a:r>
+            <a:r>
+              <a:rPr lang="en-US" dirty="0" smtClean="0">
+                <a:latin typeface="Arial" panose="020B0604020202020204" pitchFamily="34" charset="0"/>
+                <a:cs typeface="Arial" panose="020B0604020202020204" pitchFamily="34" charset="0"/>
+              </a:rPr>
+              <a:t> </a:t>
+            </a:r>
+            <a:r>
+              <a:rPr lang="en-US" dirty="0" err="1" smtClean="0">
+                <a:latin typeface="Arial" panose="020B0604020202020204" pitchFamily="34" charset="0"/>
+                <a:cs typeface="Arial" panose="020B0604020202020204" pitchFamily="34" charset="0"/>
+              </a:rPr>
+              <a:t>TypeScript</a:t>
+            </a:r>
+            <a:r>
+              <a:rPr lang="ru-RU" dirty="0" smtClean="0">
+                <a:latin typeface="Arial" panose="020B0604020202020204" pitchFamily="34" charset="0"/>
+                <a:cs typeface="Arial" panose="020B0604020202020204" pitchFamily="34" charset="0"/>
+              </a:rPr>
+              <a:t> </a:t>
+            </a:r>
+            <a:r>
+              <a:rPr lang="ru-RU" dirty="0">
+                <a:latin typeface="Arial" panose="020B0604020202020204" pitchFamily="34" charset="0"/>
+                <a:cs typeface="Arial" panose="020B0604020202020204" pitchFamily="34" charset="0"/>
+              </a:rPr>
+              <a:t>и </a:t>
+            </a:r>
+            <a:r>
+              <a:rPr lang="en-US" dirty="0" smtClean="0">
+                <a:latin typeface="Arial" panose="020B0604020202020204" pitchFamily="34" charset="0"/>
+                <a:cs typeface="Arial" panose="020B0604020202020204" pitchFamily="34" charset="0"/>
+              </a:rPr>
+              <a:t>React</a:t>
+            </a:r>
+            <a:r>
+              <a:rPr lang="ru-RU" dirty="0">
+                <a:latin typeface="Arial" panose="020B0604020202020204" pitchFamily="34" charset="0"/>
+                <a:cs typeface="Arial" panose="020B0604020202020204" pitchFamily="34" charset="0"/>
+              </a:rPr>
+              <a:t>, </a:t>
+            </a:r>
+            <a:r>
+              <a:rPr lang="ru-RU" dirty="0" smtClean="0">
+                <a:latin typeface="Arial" panose="020B0604020202020204" pitchFamily="34" charset="0"/>
+                <a:cs typeface="Arial" panose="020B0604020202020204" pitchFamily="34" charset="0"/>
+              </a:rPr>
+              <a:t>для мобильной разработки </a:t>
+            </a:r>
+            <a:r>
+              <a:rPr lang="en-US" dirty="0" err="1" smtClean="0">
+                <a:latin typeface="Arial" panose="020B0604020202020204" pitchFamily="34" charset="0"/>
+                <a:cs typeface="Arial" panose="020B0604020202020204" pitchFamily="34" charset="0"/>
+              </a:rPr>
+              <a:t>ReactNative</a:t>
+            </a:r>
+            <a:r>
+              <a:rPr lang="ru-RU" dirty="0">
+                <a:latin typeface="Arial" panose="020B0604020202020204" pitchFamily="34" charset="0"/>
+                <a:cs typeface="Arial" panose="020B0604020202020204" pitchFamily="34" charset="0"/>
+              </a:rPr>
+              <a:t>, для дизайна интерфейсов </a:t>
+            </a:r>
+            <a:r>
+              <a:rPr lang="en-US" dirty="0" smtClean="0">
+                <a:latin typeface="Arial" panose="020B0604020202020204" pitchFamily="34" charset="0"/>
+                <a:cs typeface="Arial" panose="020B0604020202020204" pitchFamily="34" charset="0"/>
+              </a:rPr>
+              <a:t>Adobe </a:t>
+            </a:r>
+            <a:r>
+              <a:rPr lang="en-US" dirty="0">
+                <a:latin typeface="Arial" panose="020B0604020202020204" pitchFamily="34" charset="0"/>
+                <a:cs typeface="Arial" panose="020B0604020202020204" pitchFamily="34" charset="0"/>
+              </a:rPr>
+              <a:t>Illustrator</a:t>
+            </a:r>
+            <a:r>
+              <a:rPr lang="ru-RU" dirty="0">
+                <a:latin typeface="Arial" panose="020B0604020202020204" pitchFamily="34" charset="0"/>
+                <a:cs typeface="Arial" panose="020B0604020202020204" pitchFamily="34" charset="0"/>
+              </a:rPr>
+              <a:t>, </a:t>
+            </a:r>
+            <a:r>
+              <a:rPr lang="en-US" dirty="0">
+                <a:latin typeface="Arial" panose="020B0604020202020204" pitchFamily="34" charset="0"/>
+                <a:cs typeface="Arial" panose="020B0604020202020204" pitchFamily="34" charset="0"/>
+              </a:rPr>
+              <a:t>Adobe Photoshop</a:t>
+            </a:r>
+            <a:r>
+              <a:rPr lang="ru-RU" dirty="0">
+                <a:latin typeface="Arial" panose="020B0604020202020204" pitchFamily="34" charset="0"/>
+                <a:cs typeface="Arial" panose="020B0604020202020204" pitchFamily="34" charset="0"/>
+              </a:rPr>
+              <a:t>, </a:t>
+            </a:r>
+            <a:r>
+              <a:rPr lang="en-US" dirty="0" err="1">
+                <a:latin typeface="Arial" panose="020B0604020202020204" pitchFamily="34" charset="0"/>
+                <a:cs typeface="Arial" panose="020B0604020202020204" pitchFamily="34" charset="0"/>
+              </a:rPr>
+              <a:t>Figma</a:t>
+            </a:r>
+            <a:r>
+              <a:rPr lang="ru-RU" dirty="0" smtClean="0">
+                <a:latin typeface="Arial" panose="020B0604020202020204" pitchFamily="34" charset="0"/>
+                <a:cs typeface="Arial" panose="020B0604020202020204" pitchFamily="34" charset="0"/>
+              </a:rPr>
+              <a:t>;</a:t>
             </a:r>
             <a:endParaRPr lang="ru-RU" dirty="0">
               <a:latin typeface="Arial" panose="020B0604020202020204" pitchFamily="34" charset="0"/>
@@ -4225,10 +4771,443 @@
           </a:p>
         </p:txBody>
       </p:sp>
+      <p:sp>
+        <p:nvSpPr>
+          <p:cNvPr id="4" name="Прямоугольник 3"/>
+          <p:cNvSpPr/>
+          <p:nvPr/>
+        </p:nvSpPr>
+        <p:spPr>
+          <a:xfrm>
+            <a:off x="568265" y="4420285"/>
+            <a:ext cx="11185585" cy="523220"/>
+          </a:xfrm>
+          <a:prstGeom prst="rect">
+            <a:avLst/>
+          </a:prstGeom>
+        </p:spPr>
+        <p:txBody>
+          <a:bodyPr wrap="square">
+            <a:spAutoFit/>
+          </a:bodyPr>
+          <a:lstStyle/>
+          <a:p>
+            <a:pPr lvl="0"/>
+            <a:r>
+              <a:rPr lang="en-US" sz="2800" b="1" dirty="0" smtClean="0">
+                <a:latin typeface="Arial" panose="020B0604020202020204" pitchFamily="34" charset="0"/>
+                <a:cs typeface="Arial" panose="020B0604020202020204" pitchFamily="34" charset="0"/>
+              </a:rPr>
+              <a:t>backend</a:t>
+            </a:r>
+            <a:r>
+              <a:rPr lang="en-US" sz="2800" dirty="0" smtClean="0">
+                <a:latin typeface="Arial" panose="020B0604020202020204" pitchFamily="34" charset="0"/>
+                <a:cs typeface="Arial" panose="020B0604020202020204" pitchFamily="34" charset="0"/>
+              </a:rPr>
+              <a:t> </a:t>
+            </a:r>
+            <a:r>
+              <a:rPr lang="en-US" sz="2800" dirty="0">
+                <a:latin typeface="Arial" panose="020B0604020202020204" pitchFamily="34" charset="0"/>
+                <a:cs typeface="Arial" panose="020B0604020202020204" pitchFamily="34" charset="0"/>
+              </a:rPr>
+              <a:t>–  PHP (Yii2, </a:t>
+            </a:r>
+            <a:r>
+              <a:rPr lang="en-US" sz="2800" dirty="0" err="1">
+                <a:latin typeface="Arial" panose="020B0604020202020204" pitchFamily="34" charset="0"/>
+                <a:cs typeface="Arial" panose="020B0604020202020204" pitchFamily="34" charset="0"/>
+              </a:rPr>
+              <a:t>Symfony</a:t>
+            </a:r>
+            <a:r>
+              <a:rPr lang="en-US" sz="2800" dirty="0">
+                <a:latin typeface="Arial" panose="020B0604020202020204" pitchFamily="34" charset="0"/>
+                <a:cs typeface="Arial" panose="020B0604020202020204" pitchFamily="34" charset="0"/>
+              </a:rPr>
+              <a:t>), </a:t>
+            </a:r>
+            <a:r>
+              <a:rPr lang="en-US" sz="2800" dirty="0" err="1">
+                <a:latin typeface="Arial" panose="020B0604020202020204" pitchFamily="34" charset="0"/>
+                <a:cs typeface="Arial" panose="020B0604020202020204" pitchFamily="34" charset="0"/>
+              </a:rPr>
+              <a:t>Kotlin</a:t>
+            </a:r>
+            <a:r>
+              <a:rPr lang="en-US" sz="2800" dirty="0">
+                <a:latin typeface="Arial" panose="020B0604020202020204" pitchFamily="34" charset="0"/>
+                <a:cs typeface="Arial" panose="020B0604020202020204" pitchFamily="34" charset="0"/>
+              </a:rPr>
+              <a:t>, Go</a:t>
+            </a:r>
+            <a:r>
+              <a:rPr lang="ru-RU" sz="2800" dirty="0">
+                <a:latin typeface="Arial" panose="020B0604020202020204" pitchFamily="34" charset="0"/>
+                <a:cs typeface="Arial" panose="020B0604020202020204" pitchFamily="34" charset="0"/>
+              </a:rPr>
+              <a:t>, </a:t>
+            </a:r>
+            <a:r>
+              <a:rPr lang="en-US" sz="2800" dirty="0" err="1" smtClean="0">
+                <a:latin typeface="Arial" panose="020B0604020202020204" pitchFamily="34" charset="0"/>
+                <a:cs typeface="Arial" panose="020B0604020202020204" pitchFamily="34" charset="0"/>
+              </a:rPr>
+              <a:t>MySql</a:t>
+            </a:r>
+            <a:r>
+              <a:rPr lang="en-US" sz="2800" dirty="0">
+                <a:latin typeface="Arial" panose="020B0604020202020204" pitchFamily="34" charset="0"/>
+                <a:cs typeface="Arial" panose="020B0604020202020204" pitchFamily="34" charset="0"/>
+              </a:rPr>
+              <a:t>, </a:t>
+            </a:r>
+            <a:r>
+              <a:rPr lang="en-US" sz="2800" dirty="0" smtClean="0">
+                <a:latin typeface="Arial" panose="020B0604020202020204" pitchFamily="34" charset="0"/>
+                <a:cs typeface="Arial" panose="020B0604020202020204" pitchFamily="34" charset="0"/>
+              </a:rPr>
+              <a:t>Nginx</a:t>
+            </a:r>
+            <a:r>
+              <a:rPr lang="en-US" sz="2800" dirty="0">
+                <a:latin typeface="Arial" panose="020B0604020202020204" pitchFamily="34" charset="0"/>
+                <a:cs typeface="Arial" panose="020B0604020202020204" pitchFamily="34" charset="0"/>
+              </a:rPr>
+              <a:t>.</a:t>
+            </a:r>
+            <a:endParaRPr lang="ru-RU" sz="2800" dirty="0">
+              <a:latin typeface="Arial" panose="020B0604020202020204" pitchFamily="34" charset="0"/>
+              <a:cs typeface="Arial" panose="020B0604020202020204" pitchFamily="34" charset="0"/>
+            </a:endParaRPr>
+          </a:p>
+        </p:txBody>
+      </p:sp>
+      <p:pic>
+        <p:nvPicPr>
+          <p:cNvPr id="2052" name="Picture 4" descr="https://upload.wikimedia.org/wikipedia/commons/thumb/4/4c/Typescript_logo_2020.svg/1200px-Typescript_logo_2020.svg.png"/>
+          <p:cNvPicPr>
+            <a:picLocks noChangeAspect="1" noChangeArrowheads="1"/>
+          </p:cNvPicPr>
+          <p:nvPr/>
+        </p:nvPicPr>
+        <p:blipFill>
+          <a:blip r:embed="rId2" cstate="print">
+            <a:extLst>
+              <a:ext uri="{28A0092B-C50C-407E-A947-70E740481C1C}">
+                <a14:useLocalDpi xmlns:a14="http://schemas.microsoft.com/office/drawing/2010/main" val="0"/>
+              </a:ext>
+            </a:extLst>
+          </a:blip>
+          <a:srcRect/>
+          <a:stretch>
+            <a:fillRect/>
+          </a:stretch>
+        </p:blipFill>
+        <p:spPr bwMode="auto">
+          <a:xfrm>
+            <a:off x="568265" y="3127687"/>
+            <a:ext cx="1031935" cy="1031935"/>
+          </a:xfrm>
+          <a:prstGeom prst="rect">
+            <a:avLst/>
+          </a:prstGeom>
+          <a:noFill/>
+          <a:extLst>
+            <a:ext uri="{909E8E84-426E-40DD-AFC4-6F175D3DCCD1}">
+              <a14:hiddenFill xmlns:a14="http://schemas.microsoft.com/office/drawing/2010/main">
+                <a:solidFill>
+                  <a:srgbClr val="FFFFFF"/>
+                </a:solidFill>
+              </a14:hiddenFill>
+            </a:ext>
+          </a:extLst>
+        </p:spPr>
+      </p:pic>
+      <p:pic>
+        <p:nvPicPr>
+          <p:cNvPr id="2054" name="Picture 6" descr="http://pm1.narvii.com/8057/105bd02b10caccf9277fed5a88968c38e8213f83r1-2048-2048v2_uhq.jpg"/>
+          <p:cNvPicPr>
+            <a:picLocks noChangeAspect="1" noChangeArrowheads="1"/>
+          </p:cNvPicPr>
+          <p:nvPr/>
+        </p:nvPicPr>
+        <p:blipFill rotWithShape="1">
+          <a:blip r:embed="rId3" cstate="print">
+            <a:extLst>
+              <a:ext uri="{28A0092B-C50C-407E-A947-70E740481C1C}">
+                <a14:useLocalDpi xmlns:a14="http://schemas.microsoft.com/office/drawing/2010/main" val="0"/>
+              </a:ext>
+            </a:extLst>
+          </a:blip>
+          <a:srcRect l="23311" t="26319" r="23174" b="26732"/>
+          <a:stretch/>
+        </p:blipFill>
+        <p:spPr bwMode="auto">
+          <a:xfrm>
+            <a:off x="1935479" y="3069962"/>
+            <a:ext cx="1242061" cy="1089660"/>
+          </a:xfrm>
+          <a:prstGeom prst="rect">
+            <a:avLst/>
+          </a:prstGeom>
+          <a:noFill/>
+          <a:extLst>
+            <a:ext uri="{909E8E84-426E-40DD-AFC4-6F175D3DCCD1}">
+              <a14:hiddenFill xmlns:a14="http://schemas.microsoft.com/office/drawing/2010/main">
+                <a:solidFill>
+                  <a:srgbClr val="FFFFFF"/>
+                </a:solidFill>
+              </a14:hiddenFill>
+            </a:ext>
+          </a:extLst>
+        </p:spPr>
+      </p:pic>
+      <p:pic>
+        <p:nvPicPr>
+          <p:cNvPr id="2056" name="Picture 8" descr="https://afsyah.com/wp-content/uploads/2017/12/yii2-framework.jpg"/>
+          <p:cNvPicPr>
+            <a:picLocks noChangeAspect="1" noChangeArrowheads="1"/>
+          </p:cNvPicPr>
+          <p:nvPr/>
+        </p:nvPicPr>
+        <p:blipFill>
+          <a:blip r:embed="rId4" cstate="print">
+            <a:extLst>
+              <a:ext uri="{28A0092B-C50C-407E-A947-70E740481C1C}">
+                <a14:useLocalDpi xmlns:a14="http://schemas.microsoft.com/office/drawing/2010/main" val="0"/>
+              </a:ext>
+            </a:extLst>
+          </a:blip>
+          <a:srcRect/>
+          <a:stretch>
+            <a:fillRect/>
+          </a:stretch>
+        </p:blipFill>
+        <p:spPr bwMode="auto">
+          <a:xfrm>
+            <a:off x="434915" y="5138750"/>
+            <a:ext cx="1398666" cy="1398666"/>
+          </a:xfrm>
+          <a:prstGeom prst="rect">
+            <a:avLst/>
+          </a:prstGeom>
+          <a:noFill/>
+          <a:extLst>
+            <a:ext uri="{909E8E84-426E-40DD-AFC4-6F175D3DCCD1}">
+              <a14:hiddenFill xmlns:a14="http://schemas.microsoft.com/office/drawing/2010/main">
+                <a:solidFill>
+                  <a:srgbClr val="FFFFFF"/>
+                </a:solidFill>
+              </a14:hiddenFill>
+            </a:ext>
+          </a:extLst>
+        </p:spPr>
+      </p:pic>
+      <p:pic>
+        <p:nvPicPr>
+          <p:cNvPr id="2060" name="Picture 12" descr="https://symfony.com/images/opengraph/symfony.png"/>
+          <p:cNvPicPr>
+            <a:picLocks noChangeAspect="1" noChangeArrowheads="1"/>
+          </p:cNvPicPr>
+          <p:nvPr/>
+        </p:nvPicPr>
+        <p:blipFill rotWithShape="1">
+          <a:blip r:embed="rId5" cstate="print">
+            <a:extLst>
+              <a:ext uri="{28A0092B-C50C-407E-A947-70E740481C1C}">
+                <a14:useLocalDpi xmlns:a14="http://schemas.microsoft.com/office/drawing/2010/main" val="0"/>
+              </a:ext>
+            </a:extLst>
+          </a:blip>
+          <a:srcRect l="27690" r="27523"/>
+          <a:stretch/>
+        </p:blipFill>
+        <p:spPr bwMode="auto">
+          <a:xfrm>
+            <a:off x="1935479" y="5013549"/>
+            <a:ext cx="1279685" cy="1523867"/>
+          </a:xfrm>
+          <a:prstGeom prst="rect">
+            <a:avLst/>
+          </a:prstGeom>
+          <a:noFill/>
+          <a:extLst>
+            <a:ext uri="{909E8E84-426E-40DD-AFC4-6F175D3DCCD1}">
+              <a14:hiddenFill xmlns:a14="http://schemas.microsoft.com/office/drawing/2010/main">
+                <a:solidFill>
+                  <a:srgbClr val="FFFFFF"/>
+                </a:solidFill>
+              </a14:hiddenFill>
+            </a:ext>
+          </a:extLst>
+        </p:spPr>
+      </p:pic>
+      <p:pic>
+        <p:nvPicPr>
+          <p:cNvPr id="2062" name="Picture 14" descr="https://sun9-71.userapi.com/impf/c845021/v845021812/105e6a/w1OjOQ5sDmg.jpg?size=1280x720&amp;quality=96&amp;sign=0f38cbb4feb224a83de26a61a61bfbe0&amp;c_uniq_tag=2QRkIleKplOzUzH5mtqB7XFQmv3TBXsVqpC_6aZ0jZk&amp;type=album"/>
+          <p:cNvPicPr>
+            <a:picLocks noChangeAspect="1" noChangeArrowheads="1"/>
+          </p:cNvPicPr>
+          <p:nvPr/>
+        </p:nvPicPr>
+        <p:blipFill rotWithShape="1">
+          <a:blip r:embed="rId6" cstate="print">
+            <a:extLst>
+              <a:ext uri="{28A0092B-C50C-407E-A947-70E740481C1C}">
+                <a14:useLocalDpi xmlns:a14="http://schemas.microsoft.com/office/drawing/2010/main" val="0"/>
+              </a:ext>
+            </a:extLst>
+          </a:blip>
+          <a:srcRect l="17005" t="33820" r="15339" b="33819"/>
+          <a:stretch/>
+        </p:blipFill>
+        <p:spPr bwMode="auto">
+          <a:xfrm>
+            <a:off x="3546871" y="5381625"/>
+            <a:ext cx="2381756" cy="640819"/>
+          </a:xfrm>
+          <a:prstGeom prst="rect">
+            <a:avLst/>
+          </a:prstGeom>
+          <a:noFill/>
+          <a:extLst>
+            <a:ext uri="{909E8E84-426E-40DD-AFC4-6F175D3DCCD1}">
+              <a14:hiddenFill xmlns:a14="http://schemas.microsoft.com/office/drawing/2010/main">
+                <a:solidFill>
+                  <a:srgbClr val="FFFFFF"/>
+                </a:solidFill>
+              </a14:hiddenFill>
+            </a:ext>
+          </a:extLst>
+        </p:spPr>
+      </p:pic>
+      <p:pic>
+        <p:nvPicPr>
+          <p:cNvPr id="2064" name="Picture 16" descr="https://www.itsec.ru/hs-fs/hubfs/ISR/Golang.png?width=600&amp;name=Golang.png"/>
+          <p:cNvPicPr>
+            <a:picLocks noChangeAspect="1" noChangeArrowheads="1"/>
+          </p:cNvPicPr>
+          <p:nvPr/>
+        </p:nvPicPr>
+        <p:blipFill rotWithShape="1">
+          <a:blip r:embed="rId7">
+            <a:extLst>
+              <a:ext uri="{28A0092B-C50C-407E-A947-70E740481C1C}">
+                <a14:useLocalDpi xmlns:a14="http://schemas.microsoft.com/office/drawing/2010/main" val="0"/>
+              </a:ext>
+            </a:extLst>
+          </a:blip>
+          <a:srcRect t="13461" r="33222" b="21154"/>
+          <a:stretch/>
+        </p:blipFill>
+        <p:spPr bwMode="auto">
+          <a:xfrm>
+            <a:off x="6161057" y="5204168"/>
+            <a:ext cx="1855023" cy="1023195"/>
+          </a:xfrm>
+          <a:prstGeom prst="rect">
+            <a:avLst/>
+          </a:prstGeom>
+          <a:noFill/>
+          <a:extLst>
+            <a:ext uri="{909E8E84-426E-40DD-AFC4-6F175D3DCCD1}">
+              <a14:hiddenFill xmlns:a14="http://schemas.microsoft.com/office/drawing/2010/main">
+                <a:solidFill>
+                  <a:srgbClr val="FFFFFF"/>
+                </a:solidFill>
+              </a14:hiddenFill>
+            </a:ext>
+          </a:extLst>
+        </p:spPr>
+      </p:pic>
+      <p:pic>
+        <p:nvPicPr>
+          <p:cNvPr id="2066" name="Picture 18" descr="https://fuzeservers.ru/wp-content/uploads/7/0/8/7086010169e7ed29575e8aaa3a60be2e.png"/>
+          <p:cNvPicPr>
+            <a:picLocks noChangeAspect="1" noChangeArrowheads="1"/>
+          </p:cNvPicPr>
+          <p:nvPr/>
+        </p:nvPicPr>
+        <p:blipFill>
+          <a:blip r:embed="rId8" cstate="print">
+            <a:extLst>
+              <a:ext uri="{28A0092B-C50C-407E-A947-70E740481C1C}">
+                <a14:useLocalDpi xmlns:a14="http://schemas.microsoft.com/office/drawing/2010/main" val="0"/>
+              </a:ext>
+            </a:extLst>
+          </a:blip>
+          <a:srcRect/>
+          <a:stretch>
+            <a:fillRect/>
+          </a:stretch>
+        </p:blipFill>
+        <p:spPr bwMode="auto">
+          <a:xfrm>
+            <a:off x="8337550" y="4997541"/>
+            <a:ext cx="1489643" cy="1539875"/>
+          </a:xfrm>
+          <a:prstGeom prst="rect">
+            <a:avLst/>
+          </a:prstGeom>
+          <a:noFill/>
+          <a:extLst>
+            <a:ext uri="{909E8E84-426E-40DD-AFC4-6F175D3DCCD1}">
+              <a14:hiddenFill xmlns:a14="http://schemas.microsoft.com/office/drawing/2010/main">
+                <a:solidFill>
+                  <a:srgbClr val="FFFFFF"/>
+                </a:solidFill>
+              </a14:hiddenFill>
+            </a:ext>
+          </a:extLst>
+        </p:spPr>
+      </p:pic>
+      <p:pic>
+        <p:nvPicPr>
+          <p:cNvPr id="2068" name="Picture 20" descr="https://itsecforu.ru/wp-content/uploads/2018/12/nginx.png"/>
+          <p:cNvPicPr>
+            <a:picLocks noChangeAspect="1" noChangeArrowheads="1"/>
+          </p:cNvPicPr>
+          <p:nvPr/>
+        </p:nvPicPr>
+        <p:blipFill>
+          <a:blip r:embed="rId9" cstate="print">
+            <a:extLst>
+              <a:ext uri="{28A0092B-C50C-407E-A947-70E740481C1C}">
+                <a14:useLocalDpi xmlns:a14="http://schemas.microsoft.com/office/drawing/2010/main" val="0"/>
+              </a:ext>
+            </a:extLst>
+          </a:blip>
+          <a:srcRect/>
+          <a:stretch>
+            <a:fillRect/>
+          </a:stretch>
+        </p:blipFill>
+        <p:spPr bwMode="auto">
+          <a:xfrm>
+            <a:off x="9992450" y="5138750"/>
+            <a:ext cx="1939046" cy="1246529"/>
+          </a:xfrm>
+          <a:prstGeom prst="rect">
+            <a:avLst/>
+          </a:prstGeom>
+          <a:noFill/>
+          <a:extLst>
+            <a:ext uri="{909E8E84-426E-40DD-AFC4-6F175D3DCCD1}">
+              <a14:hiddenFill xmlns:a14="http://schemas.microsoft.com/office/drawing/2010/main">
+                <a:solidFill>
+                  <a:srgbClr val="FFFFFF"/>
+                </a:solidFill>
+              </a14:hiddenFill>
+            </a:ext>
+          </a:extLst>
+        </p:spPr>
+      </p:pic>
     </p:spTree>
     <p:extLst>
       <p:ext uri="{BB962C8B-B14F-4D97-AF65-F5344CB8AC3E}">
-        <p14:creationId xmlns:p14="http://schemas.microsoft.com/office/powerpoint/2010/main" val="3979650999"/>
+        <p14:creationId xmlns:p14="http://schemas.microsoft.com/office/powerpoint/2010/main" val="1558882073"/>
       </p:ext>
     </p:extLst>
   </p:cSld>
@@ -4274,41 +5253,8 @@
         </p:nvSpPr>
         <p:spPr>
           <a:xfrm>
-            <a:off x="94891" y="365125"/>
-            <a:ext cx="12097109" cy="1325563"/>
-          </a:xfrm>
-        </p:spPr>
-        <p:txBody>
-          <a:bodyPr>
-            <a:normAutofit fontScale="90000"/>
-          </a:bodyPr>
-          <a:lstStyle/>
-          <a:p>
-            <a:pPr algn="ctr"/>
-            <a:r>
-              <a:rPr lang="ru-RU" b="1" dirty="0">
-                <a:latin typeface="Arial" panose="020B0604020202020204" pitchFamily="34" charset="0"/>
-                <a:cs typeface="Arial" panose="020B0604020202020204" pitchFamily="34" charset="0"/>
-              </a:rPr>
-              <a:t>Технологии разработки, внедрения и сопровождения прикладных программ на предприятии</a:t>
-            </a:r>
-          </a:p>
-        </p:txBody>
-      </p:sp>
-      <p:sp>
-        <p:nvSpPr>
-          <p:cNvPr id="3" name="Объект 2"/>
-          <p:cNvSpPr>
-            <a:spLocks noGrp="1"/>
-          </p:cNvSpPr>
-          <p:nvPr>
-            <p:ph idx="1"/>
-          </p:nvPr>
-        </p:nvSpPr>
-        <p:spPr>
-          <a:xfrm>
-            <a:off x="1235015" y="2355012"/>
-            <a:ext cx="10013830" cy="4416724"/>
+            <a:off x="448753" y="323850"/>
+            <a:ext cx="6972659" cy="1325563"/>
           </a:xfrm>
         </p:spPr>
         <p:txBody>
@@ -4317,66 +5263,157 @@
           </a:bodyPr>
           <a:lstStyle/>
           <a:p>
+            <a:pPr algn="ctr"/>
+            <a:r>
+              <a:rPr lang="ru-RU" b="1" dirty="0" smtClean="0">
+                <a:latin typeface="Arial" panose="020B0604020202020204" pitchFamily="34" charset="0"/>
+                <a:cs typeface="Arial" panose="020B0604020202020204" pitchFamily="34" charset="0"/>
+              </a:rPr>
+              <a:t>Выполненные работы</a:t>
+            </a:r>
+            <a:endParaRPr lang="ru-RU" b="1" dirty="0">
+              <a:latin typeface="Arial" panose="020B0604020202020204" pitchFamily="34" charset="0"/>
+              <a:cs typeface="Arial" panose="020B0604020202020204" pitchFamily="34" charset="0"/>
+            </a:endParaRPr>
+          </a:p>
+        </p:txBody>
+      </p:sp>
+      <p:sp>
+        <p:nvSpPr>
+          <p:cNvPr id="3" name="Объект 2"/>
+          <p:cNvSpPr>
+            <a:spLocks noGrp="1"/>
+          </p:cNvSpPr>
+          <p:nvPr>
+            <p:ph idx="1"/>
+          </p:nvPr>
+        </p:nvSpPr>
+        <p:spPr>
+          <a:xfrm>
+            <a:off x="448753" y="2062614"/>
+            <a:ext cx="10722633" cy="3128512"/>
+          </a:xfrm>
+        </p:spPr>
+        <p:txBody>
+          <a:bodyPr>
+            <a:normAutofit/>
+          </a:bodyPr>
+          <a:lstStyle/>
+          <a:p>
+            <a:r>
+              <a:rPr lang="ru-RU" sz="3200" dirty="0">
+                <a:latin typeface="Arial" panose="020B0604020202020204" pitchFamily="34" charset="0"/>
+                <a:cs typeface="Arial" panose="020B0604020202020204" pitchFamily="34" charset="0"/>
+              </a:rPr>
+              <a:t>Разработка UI-библиотеки компонентов для CRM на </a:t>
+            </a:r>
+            <a:r>
+              <a:rPr lang="ru-RU" sz="3200" dirty="0" err="1">
+                <a:latin typeface="Arial" panose="020B0604020202020204" pitchFamily="34" charset="0"/>
+                <a:cs typeface="Arial" panose="020B0604020202020204" pitchFamily="34" charset="0"/>
+              </a:rPr>
+              <a:t>React</a:t>
+            </a:r>
+            <a:r>
+              <a:rPr lang="ru-RU" sz="3200" dirty="0">
+                <a:latin typeface="Arial" panose="020B0604020202020204" pitchFamily="34" charset="0"/>
+                <a:cs typeface="Arial" panose="020B0604020202020204" pitchFamily="34" charset="0"/>
+              </a:rPr>
+              <a:t> с использованием </a:t>
+            </a:r>
+            <a:r>
+              <a:rPr lang="ru-RU" sz="3200" dirty="0" err="1">
+                <a:latin typeface="Arial" panose="020B0604020202020204" pitchFamily="34" charset="0"/>
+                <a:cs typeface="Arial" panose="020B0604020202020204" pitchFamily="34" charset="0"/>
+              </a:rPr>
+              <a:t>AntDesign</a:t>
+            </a:r>
+            <a:r>
+              <a:rPr lang="ru-RU" sz="3200" dirty="0">
+                <a:latin typeface="Arial" panose="020B0604020202020204" pitchFamily="34" charset="0"/>
+                <a:cs typeface="Arial" panose="020B0604020202020204" pitchFamily="34" charset="0"/>
+              </a:rPr>
+              <a:t>. </a:t>
+            </a:r>
+            <a:endParaRPr lang="en-US" sz="3200" dirty="0" smtClean="0">
+              <a:latin typeface="Arial" panose="020B0604020202020204" pitchFamily="34" charset="0"/>
+              <a:cs typeface="Arial" panose="020B0604020202020204" pitchFamily="34" charset="0"/>
+            </a:endParaRPr>
+          </a:p>
+          <a:p>
+            <a:r>
+              <a:rPr lang="ru-RU" sz="3200" dirty="0">
+                <a:latin typeface="Arial" panose="020B0604020202020204" pitchFamily="34" charset="0"/>
+                <a:cs typeface="Arial" panose="020B0604020202020204" pitchFamily="34" charset="0"/>
+              </a:rPr>
+              <a:t>Написание </a:t>
+            </a:r>
+            <a:r>
+              <a:rPr lang="ru-RU" sz="3200" dirty="0" err="1">
+                <a:latin typeface="Arial" panose="020B0604020202020204" pitchFamily="34" charset="0"/>
+                <a:cs typeface="Arial" panose="020B0604020202020204" pitchFamily="34" charset="0"/>
+              </a:rPr>
+              <a:t>Jest</a:t>
+            </a:r>
+            <a:r>
+              <a:rPr lang="ru-RU" sz="3200" dirty="0">
+                <a:latin typeface="Arial" panose="020B0604020202020204" pitchFamily="34" charset="0"/>
+                <a:cs typeface="Arial" panose="020B0604020202020204" pitchFamily="34" charset="0"/>
+              </a:rPr>
+              <a:t>-тестов для компонентов клиентского сайта</a:t>
+            </a:r>
             <a:r>
               <a:rPr lang="ru-RU" sz="3200" dirty="0" smtClean="0">
                 <a:latin typeface="Arial" panose="020B0604020202020204" pitchFamily="34" charset="0"/>
                 <a:cs typeface="Arial" panose="020B0604020202020204" pitchFamily="34" charset="0"/>
               </a:rPr>
-              <a:t>инновационная лаборатория по робототехнике</a:t>
-            </a:r>
-          </a:p>
-          <a:p>
-            <a:r>
-              <a:rPr lang="ru-RU" sz="3200" dirty="0" smtClean="0">
-                <a:latin typeface="Arial" panose="020B0604020202020204" pitchFamily="34" charset="0"/>
-                <a:cs typeface="Arial" panose="020B0604020202020204" pitchFamily="34" charset="0"/>
-              </a:rPr>
-              <a:t>экспресс-</a:t>
-            </a:r>
-            <a:r>
-              <a:rPr lang="ru-RU" sz="3200" dirty="0" err="1" smtClean="0">
-                <a:latin typeface="Arial" panose="020B0604020202020204" pitchFamily="34" charset="0"/>
-                <a:cs typeface="Arial" panose="020B0604020202020204" pitchFamily="34" charset="0"/>
-              </a:rPr>
-              <a:t>профдиагностика</a:t>
-            </a:r>
-            <a:r>
-              <a:rPr lang="ru-RU" sz="3200" dirty="0" smtClean="0">
-                <a:latin typeface="Arial" panose="020B0604020202020204" pitchFamily="34" charset="0"/>
-                <a:cs typeface="Arial" panose="020B0604020202020204" pitchFamily="34" charset="0"/>
-              </a:rPr>
-              <a:t>, «</a:t>
-            </a:r>
-            <a:r>
-              <a:rPr lang="ru-RU" sz="3200" dirty="0" err="1" smtClean="0">
-                <a:latin typeface="Arial" panose="020B0604020202020204" pitchFamily="34" charset="0"/>
-                <a:cs typeface="Arial" panose="020B0604020202020204" pitchFamily="34" charset="0"/>
-              </a:rPr>
-              <a:t>Профнавигатор</a:t>
-            </a:r>
-            <a:r>
-              <a:rPr lang="ru-RU" sz="3200" dirty="0" smtClean="0">
-                <a:latin typeface="Arial" panose="020B0604020202020204" pitchFamily="34" charset="0"/>
-                <a:cs typeface="Arial" panose="020B0604020202020204" pitchFamily="34" charset="0"/>
-              </a:rPr>
-              <a:t>», электронная поисковая система медицинских противопоказаний к освоению рабочих профессий и т.д.</a:t>
-            </a:r>
-          </a:p>
-          <a:p>
-            <a:r>
-              <a:rPr lang="ru-RU" sz="3200" dirty="0" smtClean="0">
-                <a:latin typeface="Arial" panose="020B0604020202020204" pitchFamily="34" charset="0"/>
-                <a:cs typeface="Arial" panose="020B0604020202020204" pitchFamily="34" charset="0"/>
-              </a:rPr>
-              <a:t>сайт edu.rkomi.ru</a:t>
-            </a:r>
+              <a:t>.</a:t>
+            </a:r>
+            <a:endParaRPr lang="en-US" sz="3200" dirty="0" smtClean="0">
+              <a:latin typeface="Arial" panose="020B0604020202020204" pitchFamily="34" charset="0"/>
+              <a:cs typeface="Arial" panose="020B0604020202020204" pitchFamily="34" charset="0"/>
+            </a:endParaRPr>
+          </a:p>
+          <a:p>
+            <a:r>
+              <a:rPr lang="ru-RU" sz="3200" dirty="0" err="1">
+                <a:latin typeface="Arial" panose="020B0604020202020204" pitchFamily="34" charset="0"/>
+                <a:cs typeface="Arial" panose="020B0604020202020204" pitchFamily="34" charset="0"/>
+              </a:rPr>
+              <a:t>Рефакторинг</a:t>
+            </a:r>
+            <a:r>
+              <a:rPr lang="ru-RU" sz="3200" dirty="0">
+                <a:latin typeface="Arial" panose="020B0604020202020204" pitchFamily="34" charset="0"/>
+                <a:cs typeface="Arial" panose="020B0604020202020204" pitchFamily="34" charset="0"/>
+              </a:rPr>
+              <a:t> кода клиентского мобильного приложения на </a:t>
+            </a:r>
+            <a:r>
+              <a:rPr lang="ru-RU" sz="3200" dirty="0" err="1">
+                <a:latin typeface="Arial" panose="020B0604020202020204" pitchFamily="34" charset="0"/>
+                <a:cs typeface="Arial" panose="020B0604020202020204" pitchFamily="34" charset="0"/>
+              </a:rPr>
+              <a:t>ReactNative</a:t>
+            </a:r>
+            <a:r>
+              <a:rPr lang="ru-RU" sz="3200" dirty="0">
+                <a:latin typeface="Arial" panose="020B0604020202020204" pitchFamily="34" charset="0"/>
+                <a:cs typeface="Arial" panose="020B0604020202020204" pitchFamily="34" charset="0"/>
+              </a:rPr>
+              <a:t>.</a:t>
+            </a:r>
+            <a:endParaRPr lang="ru-RU" sz="3200" dirty="0" smtClean="0">
+              <a:latin typeface="Arial" panose="020B0604020202020204" pitchFamily="34" charset="0"/>
+              <a:cs typeface="Arial" panose="020B0604020202020204" pitchFamily="34" charset="0"/>
+            </a:endParaRPr>
           </a:p>
         </p:txBody>
       </p:sp>
     </p:spTree>
     <p:extLst>
       <p:ext uri="{BB962C8B-B14F-4D97-AF65-F5344CB8AC3E}">
-        <p14:creationId xmlns:p14="http://schemas.microsoft.com/office/powerpoint/2010/main" val="1558882073"/>
+        <p14:creationId xmlns:p14="http://schemas.microsoft.com/office/powerpoint/2010/main" val="1212695143"/>
       </p:ext>
     </p:extLst>
   </p:cSld>
@@ -4410,218 +5447,127 @@
           <a:chExt cx="0" cy="0"/>
         </a:xfrm>
       </p:grpSpPr>
-      <p:sp>
-        <p:nvSpPr>
-          <p:cNvPr id="2" name="Заголовок 1"/>
-          <p:cNvSpPr>
-            <a:spLocks noGrp="1"/>
-          </p:cNvSpPr>
-          <p:nvPr>
-            <p:ph type="title"/>
-          </p:nvPr>
-        </p:nvSpPr>
+      <p:pic>
+        <p:nvPicPr>
+          <p:cNvPr id="4" name="Рисунок 3"/>
+          <p:cNvPicPr/>
+          <p:nvPr/>
+        </p:nvPicPr>
+        <p:blipFill rotWithShape="1">
+          <a:blip r:embed="rId2"/>
+          <a:srcRect l="13827" r="14335"/>
+          <a:stretch/>
+        </p:blipFill>
+        <p:spPr bwMode="auto">
+          <a:xfrm>
+            <a:off x="4264025" y="396871"/>
+            <a:ext cx="3403600" cy="3471865"/>
+          </a:xfrm>
+          <a:prstGeom prst="rect">
+            <a:avLst/>
+          </a:prstGeom>
+          <a:ln>
+            <a:noFill/>
+          </a:ln>
+          <a:extLst>
+            <a:ext uri="{53640926-AAD7-44D8-BBD7-CCE9431645EC}">
+              <a14:shadowObscured xmlns:a14="http://schemas.microsoft.com/office/drawing/2010/main"/>
+            </a:ext>
+          </a:extLst>
+        </p:spPr>
+      </p:pic>
+      <p:pic>
+        <p:nvPicPr>
+          <p:cNvPr id="5" name="Рисунок 4"/>
+          <p:cNvPicPr/>
+          <p:nvPr/>
+        </p:nvPicPr>
+        <p:blipFill>
+          <a:blip r:embed="rId3"/>
+          <a:stretch>
+            <a:fillRect/>
+          </a:stretch>
+        </p:blipFill>
         <p:spPr>
           <a:xfrm>
-            <a:off x="94891" y="365125"/>
-            <a:ext cx="12097109" cy="1325563"/>
-          </a:xfrm>
-        </p:spPr>
-        <p:txBody>
-          <a:bodyPr>
-            <a:normAutofit/>
-          </a:bodyPr>
-          <a:lstStyle/>
-          <a:p>
-            <a:pPr algn="ctr"/>
-            <a:r>
-              <a:rPr lang="ru-RU" b="1" dirty="0" smtClean="0">
-                <a:latin typeface="Arial" panose="020B0604020202020204" pitchFamily="34" charset="0"/>
-                <a:cs typeface="Arial" panose="020B0604020202020204" pitchFamily="34" charset="0"/>
-              </a:rPr>
-              <a:t>Выполненные работы</a:t>
-            </a:r>
-            <a:endParaRPr lang="ru-RU" b="1" dirty="0">
-              <a:latin typeface="Arial" panose="020B0604020202020204" pitchFamily="34" charset="0"/>
-              <a:cs typeface="Arial" panose="020B0604020202020204" pitchFamily="34" charset="0"/>
-            </a:endParaRPr>
-          </a:p>
-        </p:txBody>
-      </p:sp>
-      <p:sp>
-        <p:nvSpPr>
-          <p:cNvPr id="3" name="Объект 2"/>
-          <p:cNvSpPr>
-            <a:spLocks noGrp="1"/>
-          </p:cNvSpPr>
-          <p:nvPr>
-            <p:ph idx="1"/>
-          </p:nvPr>
-        </p:nvSpPr>
+            <a:off x="4759325" y="4821871"/>
+            <a:ext cx="4800600" cy="548005"/>
+          </a:xfrm>
+          <a:prstGeom prst="rect">
+            <a:avLst/>
+          </a:prstGeom>
+        </p:spPr>
+      </p:pic>
+      <p:pic>
+        <p:nvPicPr>
+          <p:cNvPr id="6" name="Рисунок 5"/>
+          <p:cNvPicPr/>
+          <p:nvPr/>
+        </p:nvPicPr>
+        <p:blipFill>
+          <a:blip r:embed="rId4"/>
+          <a:stretch>
+            <a:fillRect/>
+          </a:stretch>
+        </p:blipFill>
         <p:spPr>
           <a:xfrm>
-            <a:off x="782128" y="1595888"/>
-            <a:ext cx="10722633" cy="4934309"/>
-          </a:xfrm>
-        </p:spPr>
-        <p:txBody>
-          <a:bodyPr>
-            <a:normAutofit/>
-          </a:bodyPr>
-          <a:lstStyle/>
-          <a:p>
-            <a:r>
-              <a:rPr lang="ru-RU" sz="3200" dirty="0" smtClean="0">
-                <a:latin typeface="Arial" panose="020B0604020202020204" pitchFamily="34" charset="0"/>
-                <a:cs typeface="Arial" panose="020B0604020202020204" pitchFamily="34" charset="0"/>
-              </a:rPr>
-              <a:t>Знакомство </a:t>
-            </a:r>
-            <a:r>
-              <a:rPr lang="ru-RU" sz="3200" dirty="0">
-                <a:latin typeface="Arial" panose="020B0604020202020204" pitchFamily="34" charset="0"/>
-                <a:cs typeface="Arial" panose="020B0604020202020204" pitchFamily="34" charset="0"/>
-              </a:rPr>
-              <a:t>с устройством института, рабочим местом, информационным и компьютерным обеспечением</a:t>
-            </a:r>
-            <a:r>
-              <a:rPr lang="ru-RU" sz="3200" dirty="0" smtClean="0">
-                <a:latin typeface="Arial" panose="020B0604020202020204" pitchFamily="34" charset="0"/>
-                <a:cs typeface="Arial" panose="020B0604020202020204" pitchFamily="34" charset="0"/>
-              </a:rPr>
-              <a:t>.</a:t>
-            </a:r>
-          </a:p>
-          <a:p>
-            <a:r>
-              <a:rPr lang="ru-RU" sz="3200" dirty="0" smtClean="0">
-                <a:latin typeface="Arial" panose="020B0604020202020204" pitchFamily="34" charset="0"/>
-                <a:cs typeface="Arial" panose="020B0604020202020204" pitchFamily="34" charset="0"/>
-              </a:rPr>
-              <a:t>Изучение LMS </a:t>
-            </a:r>
-            <a:r>
-              <a:rPr lang="ru-RU" sz="3200" dirty="0" err="1">
-                <a:latin typeface="Arial" panose="020B0604020202020204" pitchFamily="34" charset="0"/>
-                <a:cs typeface="Arial" panose="020B0604020202020204" pitchFamily="34" charset="0"/>
-              </a:rPr>
-              <a:t>Moodle</a:t>
-            </a:r>
-            <a:r>
-              <a:rPr lang="ru-RU" sz="3200" dirty="0">
-                <a:latin typeface="Arial" panose="020B0604020202020204" pitchFamily="34" charset="0"/>
-                <a:cs typeface="Arial" panose="020B0604020202020204" pitchFamily="34" charset="0"/>
-              </a:rPr>
-              <a:t>, </a:t>
-            </a:r>
-            <a:r>
-              <a:rPr lang="ru-RU" sz="3200" dirty="0" smtClean="0">
-                <a:latin typeface="Arial" panose="020B0604020202020204" pitchFamily="34" charset="0"/>
-                <a:cs typeface="Arial" panose="020B0604020202020204" pitchFamily="34" charset="0"/>
-              </a:rPr>
-              <a:t>чтение </a:t>
-            </a:r>
-            <a:r>
-              <a:rPr lang="ru-RU" sz="3200" dirty="0">
-                <a:latin typeface="Arial" panose="020B0604020202020204" pitchFamily="34" charset="0"/>
-                <a:cs typeface="Arial" panose="020B0604020202020204" pitchFamily="34" charset="0"/>
-              </a:rPr>
-              <a:t>документации по данной теме. </a:t>
-            </a:r>
-            <a:endParaRPr lang="ru-RU" sz="3200" dirty="0" smtClean="0">
-              <a:latin typeface="Arial" panose="020B0604020202020204" pitchFamily="34" charset="0"/>
-              <a:cs typeface="Arial" panose="020B0604020202020204" pitchFamily="34" charset="0"/>
-            </a:endParaRPr>
-          </a:p>
-          <a:p>
-            <a:r>
-              <a:rPr lang="ru-RU" sz="3200" dirty="0">
-                <a:latin typeface="Arial" panose="020B0604020202020204" pitchFamily="34" charset="0"/>
-                <a:cs typeface="Arial" panose="020B0604020202020204" pitchFamily="34" charset="0"/>
-              </a:rPr>
-              <a:t>Изучение </a:t>
-            </a:r>
-            <a:r>
-              <a:rPr lang="en-US" sz="3200" dirty="0">
-                <a:latin typeface="Arial" panose="020B0604020202020204" pitchFamily="34" charset="0"/>
-                <a:cs typeface="Arial" panose="020B0604020202020204" pitchFamily="34" charset="0"/>
-              </a:rPr>
-              <a:t>CMS Drupal </a:t>
-            </a:r>
-            <a:r>
-              <a:rPr lang="en-US" sz="3200" dirty="0" smtClean="0">
-                <a:latin typeface="Arial" panose="020B0604020202020204" pitchFamily="34" charset="0"/>
-                <a:cs typeface="Arial" panose="020B0604020202020204" pitchFamily="34" charset="0"/>
-              </a:rPr>
-              <a:t>9</a:t>
-            </a:r>
-            <a:endParaRPr lang="ru-RU" sz="3200" dirty="0" smtClean="0">
-              <a:latin typeface="Arial" panose="020B0604020202020204" pitchFamily="34" charset="0"/>
-              <a:cs typeface="Arial" panose="020B0604020202020204" pitchFamily="34" charset="0"/>
-            </a:endParaRPr>
-          </a:p>
-          <a:p>
-            <a:r>
-              <a:rPr lang="ru-RU" sz="3200" dirty="0">
-                <a:latin typeface="Arial" panose="020B0604020202020204" pitchFamily="34" charset="0"/>
-                <a:cs typeface="Arial" panose="020B0604020202020204" pitchFamily="34" charset="0"/>
-              </a:rPr>
-              <a:t>Удаление </a:t>
-            </a:r>
-            <a:r>
-              <a:rPr lang="ru-RU" sz="3200" dirty="0" err="1">
-                <a:latin typeface="Arial" panose="020B0604020202020204" pitchFamily="34" charset="0"/>
-                <a:cs typeface="Arial" panose="020B0604020202020204" pitchFamily="34" charset="0"/>
-              </a:rPr>
-              <a:t>дублирующихся</a:t>
-            </a:r>
-            <a:r>
-              <a:rPr lang="ru-RU" sz="3200" dirty="0">
-                <a:latin typeface="Arial" panose="020B0604020202020204" pitchFamily="34" charset="0"/>
-                <a:cs typeface="Arial" panose="020B0604020202020204" pitchFamily="34" charset="0"/>
-              </a:rPr>
-              <a:t> учетных записей пользователей из </a:t>
-            </a:r>
-            <a:r>
-              <a:rPr lang="ru-RU" sz="3200" dirty="0" smtClean="0">
-                <a:latin typeface="Arial" panose="020B0604020202020204" pitchFamily="34" charset="0"/>
-                <a:cs typeface="Arial" panose="020B0604020202020204" pitchFamily="34" charset="0"/>
-              </a:rPr>
-              <a:t>БД </a:t>
-            </a:r>
-            <a:r>
-              <a:rPr lang="en-US" sz="3200" dirty="0" smtClean="0">
-                <a:latin typeface="Arial" panose="020B0604020202020204" pitchFamily="34" charset="0"/>
-                <a:cs typeface="Arial" panose="020B0604020202020204" pitchFamily="34" charset="0"/>
-              </a:rPr>
-              <a:t>edu.rkomi.ru</a:t>
-            </a:r>
-            <a:endParaRPr lang="ru-RU" sz="3200" dirty="0" smtClean="0">
-              <a:latin typeface="Arial" panose="020B0604020202020204" pitchFamily="34" charset="0"/>
-              <a:cs typeface="Arial" panose="020B0604020202020204" pitchFamily="34" charset="0"/>
-            </a:endParaRPr>
-          </a:p>
-          <a:p>
-            <a:r>
-              <a:rPr lang="ru-RU" sz="3200" dirty="0">
-                <a:latin typeface="Arial" panose="020B0604020202020204" pitchFamily="34" charset="0"/>
-                <a:cs typeface="Arial" panose="020B0604020202020204" pitchFamily="34" charset="0"/>
-              </a:rPr>
-              <a:t>Оптимизация отправки бумажных </a:t>
-            </a:r>
-            <a:r>
-              <a:rPr lang="ru-RU" sz="3200" dirty="0" smtClean="0">
-                <a:latin typeface="Arial" panose="020B0604020202020204" pitchFamily="34" charset="0"/>
-                <a:cs typeface="Arial" panose="020B0604020202020204" pitchFamily="34" charset="0"/>
-              </a:rPr>
-              <a:t>писем.</a:t>
-            </a:r>
-          </a:p>
-        </p:txBody>
-      </p:sp>
+            <a:off x="473075" y="346549"/>
+            <a:ext cx="3305175" cy="3502343"/>
+          </a:xfrm>
+          <a:prstGeom prst="rect">
+            <a:avLst/>
+          </a:prstGeom>
+        </p:spPr>
+      </p:pic>
+      <p:pic>
+        <p:nvPicPr>
+          <p:cNvPr id="7" name="Рисунок 6"/>
+          <p:cNvPicPr/>
+          <p:nvPr/>
+        </p:nvPicPr>
+        <p:blipFill>
+          <a:blip r:embed="rId5"/>
+          <a:stretch>
+            <a:fillRect/>
+          </a:stretch>
+        </p:blipFill>
+        <p:spPr>
+          <a:xfrm>
+            <a:off x="8286750" y="471326"/>
+            <a:ext cx="2409825" cy="3377566"/>
+          </a:xfrm>
+          <a:prstGeom prst="rect">
+            <a:avLst/>
+          </a:prstGeom>
+        </p:spPr>
+      </p:pic>
+      <p:pic>
+        <p:nvPicPr>
+          <p:cNvPr id="8" name="Рисунок 7"/>
+          <p:cNvPicPr/>
+          <p:nvPr/>
+        </p:nvPicPr>
+        <p:blipFill>
+          <a:blip r:embed="rId6"/>
+          <a:stretch>
+            <a:fillRect/>
+          </a:stretch>
+        </p:blipFill>
+        <p:spPr>
+          <a:xfrm>
+            <a:off x="1158875" y="4248149"/>
+            <a:ext cx="2359660" cy="1695450"/>
+          </a:xfrm>
+          <a:prstGeom prst="rect">
+            <a:avLst/>
+          </a:prstGeom>
+        </p:spPr>
+      </p:pic>
     </p:spTree>
     <p:extLst>
       <p:ext uri="{BB962C8B-B14F-4D97-AF65-F5344CB8AC3E}">
-        <p14:creationId xmlns:p14="http://schemas.microsoft.com/office/powerpoint/2010/main" val="1212695143"/>
+        <p14:creationId xmlns:p14="http://schemas.microsoft.com/office/powerpoint/2010/main" val="3190343428"/>
       </p:ext>
     </p:extLst>
   </p:cSld>
@@ -4897,4 +5843,265 @@
     </a:ext>
   </a:extLst>
 </a:theme>
+</file>
+
+<file path=ppt/theme/theme2.xml><?xml version="1.0" encoding="utf-8"?>
+<a:theme xmlns:a="http://schemas.openxmlformats.org/drawingml/2006/main" name="Тема Office">
+  <a:themeElements>
+    <a:clrScheme name="Стандартная">
+      <a:dk1>
+        <a:sysClr val="windowText" lastClr="000000"/>
+      </a:dk1>
+      <a:lt1>
+        <a:sysClr val="window" lastClr="FFFFFF"/>
+      </a:lt1>
+      <a:dk2>
+        <a:srgbClr val="44546A"/>
+      </a:dk2>
+      <a:lt2>
+        <a:srgbClr val="E7E6E6"/>
+      </a:lt2>
+      <a:accent1>
+        <a:srgbClr val="5B9BD5"/>
+      </a:accent1>
+      <a:accent2>
+        <a:srgbClr val="ED7D31"/>
+      </a:accent2>
+      <a:accent3>
+        <a:srgbClr val="A5A5A5"/>
+      </a:accent3>
+      <a:accent4>
+        <a:srgbClr val="FFC000"/>
+      </a:accent4>
+      <a:accent5>
+        <a:srgbClr val="4472C4"/>
+      </a:accent5>
+      <a:accent6>
+        <a:srgbClr val="70AD47"/>
+      </a:accent6>
+      <a:hlink>
+        <a:srgbClr val="0563C1"/>
+      </a:hlink>
+      <a:folHlink>
+        <a:srgbClr val="954F72"/>
+      </a:folHlink>
+    </a:clrScheme>
+    <a:fontScheme name="Стандартная">
+      <a:majorFont>
+        <a:latin typeface="Calibri Light" panose="020F0302020204030204"/>
+        <a:ea typeface=""/>
+        <a:cs typeface=""/>
+        <a:font script="Jpan" typeface="游ゴシック Light"/>
+        <a:font script="Hang" typeface="맑은 고딕"/>
+        <a:font script="Hans" typeface="等线 Light"/>
+        <a:font script="Hant" typeface="新細明體"/>
+        <a:font script="Arab" typeface="Times New Roman"/>
+        <a:font script="Hebr" typeface="Times New Roman"/>
+        <a:font script="Thai" typeface="Angsana New"/>
+        <a:font script="Ethi" typeface="Nyala"/>
+        <a:font script="Beng" typeface="Vrinda"/>
+        <a:font script="Gujr" typeface="Shruti"/>
+        <a:font script="Khmr" typeface="MoolBoran"/>
+        <a:font script="Knda" typeface="Tunga"/>
+        <a:font script="Guru" typeface="Raavi"/>
+        <a:font script="Cans" typeface="Euphemia"/>
+        <a:font script="Cher" typeface="Plantagenet Cherokee"/>
+        <a:font script="Yiii" typeface="Microsoft Yi Baiti"/>
+        <a:font script="Tibt" typeface="Microsoft Himalaya"/>
+        <a:font script="Thaa" typeface="MV Boli"/>
+        <a:font script="Deva" typeface="Mangal"/>
+        <a:font script="Telu" typeface="Gautami"/>
+        <a:font script="Taml" typeface="Latha"/>
+        <a:font script="Syrc" typeface="Estrangelo Edessa"/>
+        <a:font script="Orya" typeface="Kalinga"/>
+        <a:font script="Mlym" typeface="Kartika"/>
+        <a:font script="Laoo" typeface="DokChampa"/>
+        <a:font script="Sinh" typeface="Iskoola Pota"/>
+        <a:font script="Mong" typeface="Mongolian Baiti"/>
+        <a:font script="Viet" typeface="Times New Roman"/>
+        <a:font script="Uigh" typeface="Microsoft Uighur"/>
+        <a:font script="Geor" typeface="Sylfaen"/>
+      </a:majorFont>
+      <a:minorFont>
+        <a:latin typeface="Calibri" panose="020F0502020204030204"/>
+        <a:ea typeface=""/>
+        <a:cs typeface=""/>
+        <a:font script="Jpan" typeface="游ゴシック"/>
+        <a:font script="Hang" typeface="맑은 고딕"/>
+        <a:font script="Hans" typeface="等线"/>
+        <a:font script="Hant" typeface="新細明體"/>
+        <a:font script="Arab" typeface="Arial"/>
+        <a:font script="Hebr" typeface="Arial"/>
+        <a:font script="Thai" typeface="Cordia New"/>
+        <a:font script="Ethi" typeface="Nyala"/>
+        <a:font script="Beng" typeface="Vrinda"/>
+        <a:font script="Gujr" typeface="Shruti"/>
+        <a:font script="Khmr" typeface="DaunPenh"/>
+        <a:font script="Knda" typeface="Tunga"/>
+        <a:font script="Guru" typeface="Raavi"/>
+        <a:font script="Cans" typeface="Euphemia"/>
+        <a:font script="Cher" typeface="Plantagenet Cherokee"/>
+        <a:font script="Yiii" typeface="Microsoft Yi Baiti"/>
+        <a:font script="Tibt" typeface="Microsoft Himalaya"/>
+        <a:font script="Thaa" typeface="MV Boli"/>
+        <a:font script="Deva" typeface="Mangal"/>
+        <a:font script="Telu" typeface="Gautami"/>
+        <a:font script="Taml" typeface="Latha"/>
+        <a:font script="Syrc" typeface="Estrangelo Edessa"/>
+        <a:font script="Orya" typeface="Kalinga"/>
+        <a:font script="Mlym" typeface="Kartika"/>
+        <a:font script="Laoo" typeface="DokChampa"/>
+        <a:font script="Sinh" typeface="Iskoola Pota"/>
+        <a:font script="Mong" typeface="Mongolian Baiti"/>
+        <a:font script="Viet" typeface="Arial"/>
+        <a:font script="Uigh" typeface="Microsoft Uighur"/>
+        <a:font script="Geor" typeface="Sylfaen"/>
+      </a:minorFont>
+    </a:fontScheme>
+    <a:fmtScheme name="Стандартная">
+      <a:fillStyleLst>
+        <a:solidFill>
+          <a:schemeClr val="phClr"/>
+        </a:solidFill>
+        <a:gradFill rotWithShape="1">
+          <a:gsLst>
+            <a:gs pos="0">
+              <a:schemeClr val="phClr">
+                <a:lumMod val="110000"/>
+                <a:satMod val="105000"/>
+                <a:tint val="67000"/>
+              </a:schemeClr>
+            </a:gs>
+            <a:gs pos="50000">
+              <a:schemeClr val="phClr">
+                <a:lumMod val="105000"/>
+                <a:satMod val="103000"/>
+                <a:tint val="73000"/>
+              </a:schemeClr>
+            </a:gs>
+            <a:gs pos="100000">
+              <a:schemeClr val="phClr">
+                <a:lumMod val="105000"/>
+                <a:satMod val="109000"/>
+                <a:tint val="81000"/>
+              </a:schemeClr>
+            </a:gs>
+          </a:gsLst>
+          <a:lin ang="5400000" scaled="0"/>
+        </a:gradFill>
+        <a:gradFill rotWithShape="1">
+          <a:gsLst>
+            <a:gs pos="0">
+              <a:schemeClr val="phClr">
+                <a:satMod val="103000"/>
+                <a:lumMod val="102000"/>
+                <a:tint val="94000"/>
+              </a:schemeClr>
+            </a:gs>
+            <a:gs pos="50000">
+              <a:schemeClr val="phClr">
+                <a:satMod val="110000"/>
+                <a:lumMod val="100000"/>
+                <a:shade val="100000"/>
+              </a:schemeClr>
+            </a:gs>
+            <a:gs pos="100000">
+              <a:schemeClr val="phClr">
+                <a:lumMod val="99000"/>
+                <a:satMod val="120000"/>
+                <a:shade val="78000"/>
+              </a:schemeClr>
+            </a:gs>
+          </a:gsLst>
+          <a:lin ang="5400000" scaled="0"/>
+        </a:gradFill>
+      </a:fillStyleLst>
+      <a:lnStyleLst>
+        <a:ln w="6350" cap="flat" cmpd="sng" algn="ctr">
+          <a:solidFill>
+            <a:schemeClr val="phClr"/>
+          </a:solidFill>
+          <a:prstDash val="solid"/>
+          <a:miter lim="800000"/>
+        </a:ln>
+        <a:ln w="12700" cap="flat" cmpd="sng" algn="ctr">
+          <a:solidFill>
+            <a:schemeClr val="phClr"/>
+          </a:solidFill>
+          <a:prstDash val="solid"/>
+          <a:miter lim="800000"/>
+        </a:ln>
+        <a:ln w="19050" cap="flat" cmpd="sng" algn="ctr">
+          <a:solidFill>
+            <a:schemeClr val="phClr"/>
+          </a:solidFill>
+          <a:prstDash val="solid"/>
+          <a:miter lim="800000"/>
+        </a:ln>
+      </a:lnStyleLst>
+      <a:effectStyleLst>
+        <a:effectStyle>
+          <a:effectLst/>
+        </a:effectStyle>
+        <a:effectStyle>
+          <a:effectLst/>
+        </a:effectStyle>
+        <a:effectStyle>
+          <a:effectLst>
+            <a:outerShdw blurRad="57150" dist="19050" dir="5400000" algn="ctr" rotWithShape="0">
+              <a:srgbClr val="000000">
+                <a:alpha val="63000"/>
+              </a:srgbClr>
+            </a:outerShdw>
+          </a:effectLst>
+        </a:effectStyle>
+      </a:effectStyleLst>
+      <a:bgFillStyleLst>
+        <a:solidFill>
+          <a:schemeClr val="phClr"/>
+        </a:solidFill>
+        <a:solidFill>
+          <a:schemeClr val="phClr">
+            <a:tint val="95000"/>
+            <a:satMod val="170000"/>
+          </a:schemeClr>
+        </a:solidFill>
+        <a:gradFill rotWithShape="1">
+          <a:gsLst>
+            <a:gs pos="0">
+              <a:schemeClr val="phClr">
+                <a:tint val="93000"/>
+                <a:satMod val="150000"/>
+                <a:shade val="98000"/>
+                <a:lumMod val="102000"/>
+              </a:schemeClr>
+            </a:gs>
+            <a:gs pos="50000">
+              <a:schemeClr val="phClr">
+                <a:tint val="98000"/>
+                <a:satMod val="130000"/>
+                <a:shade val="90000"/>
+                <a:lumMod val="103000"/>
+              </a:schemeClr>
+            </a:gs>
+            <a:gs pos="100000">
+              <a:schemeClr val="phClr">
+                <a:shade val="63000"/>
+                <a:satMod val="120000"/>
+              </a:schemeClr>
+            </a:gs>
+          </a:gsLst>
+          <a:lin ang="5400000" scaled="0"/>
+        </a:gradFill>
+      </a:bgFillStyleLst>
+    </a:fmtScheme>
+  </a:themeElements>
+  <a:objectDefaults/>
+  <a:extraClrSchemeLst/>
+  <a:extLst>
+    <a:ext uri="{05A4C25C-085E-4340-85A3-A5531E510DB2}">
+      <thm15:themeFamily xmlns:thm15="http://schemas.microsoft.com/office/thememl/2012/main" name="Office Theme" id="{62F939B6-93AF-4DB8-9C6B-D6C7DFDC589F}" vid="{4A3C46E8-61CC-4603-A589-7422A47A8E4A}"/>
+    </a:ext>
+  </a:extLst>
+</a:theme>
 </file>